--- a/network_introduction_2022/material/l5/udp.pptx
+++ b/network_introduction_2022/material/l5/udp.pptx
@@ -6,12 +6,11 @@
   </p:sldMasterIdLst>
   <p:sldIdLst>
     <p:sldId id="256" r:id="rId2"/>
-    <p:sldId id="290" r:id="rId3"/>
-    <p:sldId id="291" r:id="rId4"/>
-    <p:sldId id="292" r:id="rId5"/>
-    <p:sldId id="293" r:id="rId6"/>
-    <p:sldId id="294" r:id="rId7"/>
-    <p:sldId id="295" r:id="rId8"/>
+    <p:sldId id="291" r:id="rId3"/>
+    <p:sldId id="292" r:id="rId4"/>
+    <p:sldId id="293" r:id="rId5"/>
+    <p:sldId id="294" r:id="rId6"/>
+    <p:sldId id="295" r:id="rId7"/>
   </p:sldIdLst>
   <p:sldSz cx="12192000" cy="6858000"/>
   <p:notesSz cx="6858000" cy="9144000"/>
@@ -276,7 +275,7 @@
           <a:p>
             <a:fld id="{D8B7E551-822F-4896-9EDE-9E8F0CB865CE}" type="datetimeFigureOut">
               <a:rPr lang="it-IT" smtClean="0"/>
-              <a:t>13/12/2022</a:t>
+              <a:t>19/12/2022</a:t>
             </a:fld>
             <a:endParaRPr lang="it-IT"/>
           </a:p>
@@ -474,7 +473,7 @@
           <a:p>
             <a:fld id="{D8B7E551-822F-4896-9EDE-9E8F0CB865CE}" type="datetimeFigureOut">
               <a:rPr lang="it-IT" smtClean="0"/>
-              <a:t>13/12/2022</a:t>
+              <a:t>19/12/2022</a:t>
             </a:fld>
             <a:endParaRPr lang="it-IT"/>
           </a:p>
@@ -682,7 +681,7 @@
           <a:p>
             <a:fld id="{D8B7E551-822F-4896-9EDE-9E8F0CB865CE}" type="datetimeFigureOut">
               <a:rPr lang="it-IT" smtClean="0"/>
-              <a:t>13/12/2022</a:t>
+              <a:t>19/12/2022</a:t>
             </a:fld>
             <a:endParaRPr lang="it-IT"/>
           </a:p>
@@ -880,7 +879,7 @@
           <a:p>
             <a:fld id="{D8B7E551-822F-4896-9EDE-9E8F0CB865CE}" type="datetimeFigureOut">
               <a:rPr lang="it-IT" smtClean="0"/>
-              <a:t>13/12/2022</a:t>
+              <a:t>19/12/2022</a:t>
             </a:fld>
             <a:endParaRPr lang="it-IT"/>
           </a:p>
@@ -1155,7 +1154,7 @@
           <a:p>
             <a:fld id="{D8B7E551-822F-4896-9EDE-9E8F0CB865CE}" type="datetimeFigureOut">
               <a:rPr lang="it-IT" smtClean="0"/>
-              <a:t>13/12/2022</a:t>
+              <a:t>19/12/2022</a:t>
             </a:fld>
             <a:endParaRPr lang="it-IT"/>
           </a:p>
@@ -1420,7 +1419,7 @@
           <a:p>
             <a:fld id="{D8B7E551-822F-4896-9EDE-9E8F0CB865CE}" type="datetimeFigureOut">
               <a:rPr lang="it-IT" smtClean="0"/>
-              <a:t>13/12/2022</a:t>
+              <a:t>19/12/2022</a:t>
             </a:fld>
             <a:endParaRPr lang="it-IT"/>
           </a:p>
@@ -1832,7 +1831,7 @@
           <a:p>
             <a:fld id="{D8B7E551-822F-4896-9EDE-9E8F0CB865CE}" type="datetimeFigureOut">
               <a:rPr lang="it-IT" smtClean="0"/>
-              <a:t>13/12/2022</a:t>
+              <a:t>19/12/2022</a:t>
             </a:fld>
             <a:endParaRPr lang="it-IT"/>
           </a:p>
@@ -1973,7 +1972,7 @@
           <a:p>
             <a:fld id="{D8B7E551-822F-4896-9EDE-9E8F0CB865CE}" type="datetimeFigureOut">
               <a:rPr lang="it-IT" smtClean="0"/>
-              <a:t>13/12/2022</a:t>
+              <a:t>19/12/2022</a:t>
             </a:fld>
             <a:endParaRPr lang="it-IT"/>
           </a:p>
@@ -2086,7 +2085,7 @@
           <a:p>
             <a:fld id="{D8B7E551-822F-4896-9EDE-9E8F0CB865CE}" type="datetimeFigureOut">
               <a:rPr lang="it-IT" smtClean="0"/>
-              <a:t>13/12/2022</a:t>
+              <a:t>19/12/2022</a:t>
             </a:fld>
             <a:endParaRPr lang="it-IT"/>
           </a:p>
@@ -2397,7 +2396,7 @@
           <a:p>
             <a:fld id="{D8B7E551-822F-4896-9EDE-9E8F0CB865CE}" type="datetimeFigureOut">
               <a:rPr lang="it-IT" smtClean="0"/>
-              <a:t>13/12/2022</a:t>
+              <a:t>19/12/2022</a:t>
             </a:fld>
             <a:endParaRPr lang="it-IT"/>
           </a:p>
@@ -2685,7 +2684,7 @@
           <a:p>
             <a:fld id="{D8B7E551-822F-4896-9EDE-9E8F0CB865CE}" type="datetimeFigureOut">
               <a:rPr lang="it-IT" smtClean="0"/>
-              <a:t>13/12/2022</a:t>
+              <a:t>19/12/2022</a:t>
             </a:fld>
             <a:endParaRPr lang="it-IT"/>
           </a:p>
@@ -2926,7 +2925,7 @@
           <a:p>
             <a:fld id="{D8B7E551-822F-4896-9EDE-9E8F0CB865CE}" type="datetimeFigureOut">
               <a:rPr lang="it-IT" smtClean="0"/>
-              <a:t>13/12/2022</a:t>
+              <a:t>19/12/2022</a:t>
             </a:fld>
             <a:endParaRPr lang="it-IT"/>
           </a:p>
@@ -3387,7 +3386,7 @@
                 <a:latin typeface="Print Clearly" panose="02000000000000000000" pitchFamily="50" charset="0"/>
                 <a:cs typeface="Amatic SC" panose="00000500000000000000" pitchFamily="2" charset="-79"/>
               </a:rPr>
-              <a:t>TCP – Transmission Control Protocol</a:t>
+              <a:t>UDP – User Datagram Protocol</a:t>
             </a:r>
             <a:endParaRPr lang="it-IT" sz="8800" b="1" dirty="0">
               <a:solidFill>
@@ -3597,13 +3596,22 @@
           <a:p>
             <a:pPr algn="ctr"/>
             <a:r>
+              <a:rPr lang="en-US" sz="4800" dirty="0">
+                <a:solidFill>
+                  <a:schemeClr val="bg1"/>
+                </a:solidFill>
+                <a:latin typeface="Print Clearly" panose="02000000000000000000" pitchFamily="50" charset="0"/>
+              </a:rPr>
+              <a:t>U</a:t>
+            </a:r>
+            <a:r>
               <a:rPr lang="it-IT" sz="4800" dirty="0">
                 <a:solidFill>
                   <a:schemeClr val="bg1"/>
                 </a:solidFill>
                 <a:latin typeface="Print Clearly" panose="02000000000000000000" pitchFamily="50" charset="0"/>
               </a:rPr>
-              <a:t>TCP VS UDP (liv. trasporto)</a:t>
+              <a:t>DP</a:t>
             </a:r>
           </a:p>
         </p:txBody>
@@ -3633,59 +3641,35 @@
           <a:p>
             <a:r>
               <a:rPr lang="it-IT" sz="1800" dirty="0"/>
-              <a:t>Lo strato di trasporto della rete Internet mette a disposizione delle applicazioni attive in ciascun </a:t>
+              <a:t>È un protocollo di trasporto semplice che offre il minimo valore aggiunto possibile (multiplexing) rispetto a IP con l'obiettivo di richiedere il minimo possibile di risorse addizionali</a:t>
+            </a:r>
+          </a:p>
+          <a:p>
+            <a:r>
+              <a:rPr lang="it-IT" sz="1800" dirty="0"/>
+              <a:t>Fornisce un servizio di </a:t>
             </a:r>
             <a:r>
               <a:rPr lang="it-IT" sz="1800" dirty="0" err="1"/>
-              <a:t>host</a:t>
+              <a:t>datagram</a:t>
             </a:r>
             <a:r>
               <a:rPr lang="it-IT" sz="1800" dirty="0"/>
-              <a:t> due distinti protocolli di trasporto:</a:t>
-            </a:r>
-          </a:p>
-          <a:p>
-            <a:pPr marL="800100" lvl="1" indent="-342900">
-              <a:buFont typeface="+mj-lt"/>
-              <a:buAutoNum type="arabicPeriod"/>
-            </a:pPr>
-            <a:r>
-              <a:rPr lang="it-IT" sz="1600" dirty="0">
-                <a:solidFill>
-                  <a:srgbClr val="FF0000"/>
-                </a:solidFill>
-              </a:rPr>
-              <a:t>servizi affidabili orientati alla connessione</a:t>
-            </a:r>
+              <a:t> non affidabile:</a:t>
+            </a:r>
+          </a:p>
+          <a:p>
+            <a:pPr lvl="1"/>
             <a:r>
               <a:rPr lang="it-IT" sz="1600" dirty="0"/>
-              <a:t>, detti di tipo stream offerti dal TCP (Transmission Control </a:t>
-            </a:r>
-            <a:r>
-              <a:rPr lang="it-IT" sz="1600" dirty="0" err="1"/>
-              <a:t>Protocol</a:t>
-            </a:r>
+              <a:t>i pacchetti possono andar persi o essere consegnati non in ordine;</a:t>
+            </a:r>
+          </a:p>
+          <a:p>
+            <a:pPr lvl="1"/>
             <a:r>
               <a:rPr lang="it-IT" sz="1600" dirty="0"/>
-              <a:t>)</a:t>
-            </a:r>
-          </a:p>
-          <a:p>
-            <a:pPr marL="800100" lvl="1" indent="-342900">
-              <a:buFont typeface="+mj-lt"/>
-              <a:buAutoNum type="arabicPeriod"/>
-            </a:pPr>
-            <a:r>
-              <a:rPr lang="it-IT" sz="1600" dirty="0">
-                <a:solidFill>
-                  <a:srgbClr val="FF0000"/>
-                </a:solidFill>
-              </a:rPr>
-              <a:t>servizi  non affidabili senza  connessione,  </a:t>
-            </a:r>
-            <a:r>
-              <a:rPr lang="it-IT" sz="1600" dirty="0"/>
-              <a:t>detti  di  tipo  </a:t>
+              <a:t>gli utenti scambiano </a:t>
             </a:r>
             <a:r>
               <a:rPr lang="it-IT" sz="1600" dirty="0" err="1"/>
@@ -3693,239 +3677,61 @@
             </a:r>
             <a:r>
               <a:rPr lang="it-IT" sz="1600" dirty="0"/>
-              <a:t> offerti dall’UDP (User </a:t>
-            </a:r>
-            <a:r>
-              <a:rPr lang="it-IT" sz="1600" dirty="0" err="1"/>
-              <a:t>Datagram</a:t>
-            </a:r>
+              <a:t> (non flussi)</a:t>
+            </a:r>
+          </a:p>
+          <a:p>
+            <a:pPr lvl="1"/>
             <a:r>
               <a:rPr lang="it-IT" sz="1600" dirty="0"/>
-              <a:t> </a:t>
-            </a:r>
-            <a:r>
-              <a:rPr lang="it-IT" sz="1600" dirty="0" err="1"/>
-              <a:t>Protocol</a:t>
-            </a:r>
-            <a:r>
-              <a:rPr lang="it-IT" sz="1600" dirty="0"/>
-              <a:t>)</a:t>
-            </a:r>
-          </a:p>
-        </p:txBody>
-      </p:sp>
-      <p:pic>
-        <p:nvPicPr>
-          <p:cNvPr id="4" name="Immagine 3">
-            <a:extLst>
-              <a:ext uri="{FF2B5EF4-FFF2-40B4-BE49-F238E27FC236}">
-                <a16:creationId xmlns:a16="http://schemas.microsoft.com/office/drawing/2014/main" id="{D77C5866-A614-48DA-8D6D-4A9AAB8F9B0D}"/>
-              </a:ext>
-            </a:extLst>
-          </p:cNvPr>
-          <p:cNvPicPr>
-            <a:picLocks noChangeAspect="1"/>
-          </p:cNvPicPr>
-          <p:nvPr/>
-        </p:nvPicPr>
-        <p:blipFill>
-          <a:blip r:embed="rId2">
-            <a:extLst>
-              <a:ext uri="{28A0092B-C50C-407E-A947-70E740481C1C}">
-                <a14:useLocalDpi xmlns:a14="http://schemas.microsoft.com/office/drawing/2010/main" val="0"/>
-              </a:ext>
-            </a:extLst>
-          </a:blip>
-          <a:stretch>
-            <a:fillRect/>
-          </a:stretch>
-        </p:blipFill>
-        <p:spPr>
-          <a:xfrm>
-            <a:off x="9441877" y="6129856"/>
-            <a:ext cx="2414146" cy="397754"/>
-          </a:xfrm>
-          <a:prstGeom prst="rect">
-            <a:avLst/>
-          </a:prstGeom>
-        </p:spPr>
-      </p:pic>
-    </p:spTree>
-    <p:extLst>
-      <p:ext uri="{BB962C8B-B14F-4D97-AF65-F5344CB8AC3E}">
-        <p14:creationId xmlns:p14="http://schemas.microsoft.com/office/powerpoint/2010/main" val="3479070865"/>
-      </p:ext>
-    </p:extLst>
-  </p:cSld>
-  <p:clrMapOvr>
-    <a:masterClrMapping/>
-  </p:clrMapOvr>
-  <mc:AlternateContent xmlns:mc="http://schemas.openxmlformats.org/markup-compatibility/2006" xmlns:p159="http://schemas.microsoft.com/office/powerpoint/2015/09/main">
-    <mc:Choice Requires="p159">
-      <p:transition xmlns:p14="http://schemas.microsoft.com/office/powerpoint/2010/main" spd="slow" p14:dur="2000">
-        <p159:morph option="byObject"/>
-      </p:transition>
-    </mc:Choice>
-    <mc:Fallback xmlns="">
-      <p:transition spd="slow">
-        <p:fade/>
-      </p:transition>
-    </mc:Fallback>
-  </mc:AlternateContent>
-</p:sld>
-</file>
-
-<file path=ppt/slides/slide3.xml><?xml version="1.0" encoding="utf-8"?>
-<p:sld xmlns:a="http://schemas.openxmlformats.org/drawingml/2006/main" xmlns:r="http://schemas.openxmlformats.org/officeDocument/2006/relationships" xmlns:p="http://schemas.openxmlformats.org/presentationml/2006/main">
-  <p:cSld>
-    <p:spTree>
-      <p:nvGrpSpPr>
-        <p:cNvPr id="1" name=""/>
-        <p:cNvGrpSpPr/>
-        <p:nvPr/>
-      </p:nvGrpSpPr>
-      <p:grpSpPr>
-        <a:xfrm>
-          <a:off x="0" y="0"/>
-          <a:ext cx="0" cy="0"/>
-          <a:chOff x="0" y="0"/>
-          <a:chExt cx="0" cy="0"/>
-        </a:xfrm>
-      </p:grpSpPr>
-      <p:sp>
-        <p:nvSpPr>
-          <p:cNvPr id="5" name="Rettangolo con angoli arrotondati 4">
-            <a:extLst>
-              <a:ext uri="{FF2B5EF4-FFF2-40B4-BE49-F238E27FC236}">
-                <a16:creationId xmlns:a16="http://schemas.microsoft.com/office/drawing/2014/main" id="{9B281B25-3E31-EC1A-BB8F-795A8CC896CB}"/>
-              </a:ext>
-            </a:extLst>
-          </p:cNvPr>
-          <p:cNvSpPr/>
-          <p:nvPr/>
-        </p:nvSpPr>
-        <p:spPr>
-          <a:xfrm>
-            <a:off x="1381897" y="521279"/>
-            <a:ext cx="9428206" cy="1013254"/>
-          </a:xfrm>
-          <a:prstGeom prst="roundRect">
-            <a:avLst/>
-          </a:prstGeom>
-        </p:spPr>
-        <p:style>
-          <a:lnRef idx="2">
-            <a:schemeClr val="dk1">
-              <a:shade val="50000"/>
-            </a:schemeClr>
-          </a:lnRef>
-          <a:fillRef idx="1">
-            <a:schemeClr val="dk1"/>
-          </a:fillRef>
-          <a:effectRef idx="0">
-            <a:schemeClr val="dk1"/>
-          </a:effectRef>
-          <a:fontRef idx="minor">
-            <a:schemeClr val="lt1"/>
-          </a:fontRef>
-        </p:style>
-        <p:txBody>
-          <a:bodyPr rtlCol="0" anchor="ctr"/>
-          <a:lstStyle/>
-          <a:p>
-            <a:pPr algn="ctr"/>
-            <a:endParaRPr lang="it-IT"/>
-          </a:p>
-        </p:txBody>
-      </p:sp>
-      <p:sp>
-        <p:nvSpPr>
-          <p:cNvPr id="2" name="Titolo 1">
-            <a:extLst>
-              <a:ext uri="{FF2B5EF4-FFF2-40B4-BE49-F238E27FC236}">
-                <a16:creationId xmlns:a16="http://schemas.microsoft.com/office/drawing/2014/main" id="{89482AAA-D49C-41CC-87C3-E210C152BED8}"/>
-              </a:ext>
-            </a:extLst>
-          </p:cNvPr>
-          <p:cNvSpPr>
-            <a:spLocks noGrp="1"/>
-          </p:cNvSpPr>
-          <p:nvPr>
-            <p:ph type="title"/>
-          </p:nvPr>
-        </p:nvSpPr>
-        <p:spPr/>
-        <p:txBody>
-          <a:bodyPr>
-            <a:normAutofit/>
-          </a:bodyPr>
-          <a:lstStyle/>
-          <a:p>
-            <a:pPr algn="ctr"/>
-            <a:r>
-              <a:rPr lang="it-IT" sz="4800" dirty="0">
-                <a:solidFill>
-                  <a:schemeClr val="bg1"/>
-                </a:solidFill>
-                <a:latin typeface="Print Clearly" panose="02000000000000000000" pitchFamily="50" charset="0"/>
-              </a:rPr>
-              <a:t>TCP</a:t>
-            </a:r>
-          </a:p>
-        </p:txBody>
-      </p:sp>
-      <p:sp>
-        <p:nvSpPr>
-          <p:cNvPr id="28" name="Segnaposto contenuto 27">
-            <a:extLst>
-              <a:ext uri="{FF2B5EF4-FFF2-40B4-BE49-F238E27FC236}">
-                <a16:creationId xmlns:a16="http://schemas.microsoft.com/office/drawing/2014/main" id="{84105A06-87CB-83CE-05B0-FB5BAAF84C4A}"/>
-              </a:ext>
-            </a:extLst>
-          </p:cNvPr>
-          <p:cNvSpPr>
-            <a:spLocks noGrp="1"/>
-          </p:cNvSpPr>
-          <p:nvPr>
-            <p:ph idx="1"/>
-          </p:nvPr>
-        </p:nvSpPr>
-        <p:spPr/>
-        <p:txBody>
-          <a:bodyPr>
-            <a:normAutofit/>
-          </a:bodyPr>
-          <a:lstStyle/>
+              <a:t>possibili trasferimenti in parallelo in entrambe le direzioni (full duplex)</a:t>
+            </a:r>
+          </a:p>
           <a:p>
             <a:r>
               <a:rPr lang="it-IT" sz="1800" dirty="0"/>
-              <a:t>Il protocollo TCP offre un trasporto affidabile in quanto consente il controllo dell’integrità dell’informazione contenuta nei pacchetti e il controllo sull’effettiva consegna del messaggio</a:t>
-            </a:r>
+              <a:t>Se il pacchetto UDP è errato, viene scartato silenziosamente, senza generazione di messaggi </a:t>
+            </a:r>
+            <a:r>
+              <a:rPr lang="it-IT" sz="1800" dirty="0" err="1"/>
+              <a:t>d'erro</a:t>
+            </a:r>
+            <a:endParaRPr lang="it-IT" sz="1800" dirty="0"/>
           </a:p>
           <a:p>
             <a:r>
               <a:rPr lang="it-IT" sz="1800" dirty="0"/>
-              <a:t>TCP è dunque un protocollo orientato alla connessione, il software di rete che implementa TCP deve assicurare due condizioni fondamentali:</a:t>
-            </a:r>
-          </a:p>
-          <a:p>
-            <a:pPr marL="800100" lvl="1" indent="-342900">
-              <a:buFont typeface="+mj-lt"/>
-              <a:buAutoNum type="arabicPeriod"/>
-            </a:pPr>
-            <a:r>
-              <a:rPr lang="it-IT" sz="1600" dirty="0"/>
-              <a:t>certezza  che  il  programma  applicativo  destinatario  sia attivo</a:t>
-            </a:r>
-          </a:p>
-          <a:p>
-            <a:pPr marL="800100" lvl="1" indent="-342900">
-              <a:buFont typeface="+mj-lt"/>
-              <a:buAutoNum type="arabicPeriod"/>
-            </a:pPr>
-            <a:r>
-              <a:rPr lang="it-IT" sz="1600" dirty="0"/>
-              <a:t>garanzia   che   tutti   i   pacchetti   inviati   dal   mittente raggiungeranno la loro destinazione</a:t>
+              <a:t>Il calcolo del </a:t>
+            </a:r>
+            <a:r>
+              <a:rPr lang="it-IT" sz="1800" dirty="0" err="1"/>
+              <a:t>checksum</a:t>
+            </a:r>
+            <a:r>
+              <a:rPr lang="it-IT" sz="1800" dirty="0"/>
+              <a:t> nell’UDP non è obbligatorio</a:t>
+            </a:r>
+          </a:p>
+          <a:p>
+            <a:r>
+              <a:rPr lang="it-IT" sz="1800" dirty="0"/>
+              <a:t>L'</a:t>
+            </a:r>
+            <a:r>
+              <a:rPr lang="it-IT" sz="1800" dirty="0" err="1"/>
+              <a:t>opzionalità</a:t>
+            </a:r>
+            <a:r>
+              <a:rPr lang="it-IT" sz="1800" dirty="0"/>
+              <a:t> dei </a:t>
+            </a:r>
+            <a:r>
+              <a:rPr lang="it-IT" sz="1800" dirty="0" err="1"/>
+              <a:t>checksum</a:t>
+            </a:r>
+            <a:r>
+              <a:rPr lang="it-IT" sz="1800" dirty="0"/>
+              <a:t> di UDP implica una velocità maggiore delle operazioni se disabilitata</a:t>
             </a:r>
           </a:p>
         </p:txBody>
@@ -3991,7 +3797,7 @@
 </p:sld>
 </file>
 
-<file path=ppt/slides/slide4.xml><?xml version="1.0" encoding="utf-8"?>
+<file path=ppt/slides/slide3.xml><?xml version="1.0" encoding="utf-8"?>
 <p:sld xmlns:a="http://schemas.openxmlformats.org/drawingml/2006/main" xmlns:r="http://schemas.openxmlformats.org/officeDocument/2006/relationships" xmlns:p="http://schemas.openxmlformats.org/presentationml/2006/main">
   <p:cSld>
     <p:spTree>
@@ -4085,7 +3891,7 @@
                 </a:solidFill>
                 <a:latin typeface="Print Clearly" panose="02000000000000000000" pitchFamily="50" charset="0"/>
               </a:rPr>
-              <a:t>TCP</a:t>
+              <a:t>Recapito UDP</a:t>
             </a:r>
           </a:p>
         </p:txBody>
@@ -4115,85 +3921,41 @@
           <a:p>
             <a:r>
               <a:rPr lang="it-IT" sz="1800" dirty="0"/>
-              <a:t>Elementi dell’intestazione TCP:</a:t>
-            </a:r>
-          </a:p>
-          <a:p>
-            <a:pPr marL="800100" lvl="1" indent="-342900">
-              <a:buFont typeface="+mj-lt"/>
-              <a:buAutoNum type="arabicPeriod"/>
-            </a:pPr>
+              <a:t>UDP fornisce un servizio di recapito NON affidabile:</a:t>
+            </a:r>
+          </a:p>
+          <a:p>
+            <a:pPr lvl="1"/>
             <a:r>
               <a:rPr lang="it-IT" sz="1600" dirty="0"/>
-              <a:t>Numero di porta sorgente TCP</a:t>
-            </a:r>
-          </a:p>
-          <a:p>
-            <a:pPr marL="800100" lvl="1" indent="-342900">
-              <a:buFont typeface="+mj-lt"/>
-              <a:buAutoNum type="arabicPeriod"/>
-            </a:pPr>
+              <a:t>senza connessione (</a:t>
+            </a:r>
+            <a:r>
+              <a:rPr lang="it-IT" sz="1600" dirty="0" err="1"/>
+              <a:t>connectionless</a:t>
+            </a:r>
             <a:r>
               <a:rPr lang="it-IT" sz="1600" dirty="0"/>
-              <a:t>Numero di porta di destinazione TCP</a:t>
-            </a:r>
-          </a:p>
-          <a:p>
-            <a:pPr marL="800100" lvl="1" indent="-342900">
-              <a:buFont typeface="+mj-lt"/>
-              <a:buAutoNum type="arabicPeriod"/>
-            </a:pPr>
+              <a:t>) </a:t>
+            </a:r>
+          </a:p>
+          <a:p>
+            <a:pPr lvl="1"/>
             <a:r>
               <a:rPr lang="it-IT" sz="1600" dirty="0"/>
-              <a:t>Numero di sequenza</a:t>
-            </a:r>
-          </a:p>
-          <a:p>
-            <a:pPr marL="800100" lvl="1" indent="-342900">
-              <a:buFont typeface="+mj-lt"/>
-              <a:buAutoNum type="arabicPeriod"/>
-            </a:pPr>
-            <a:r>
-              <a:rPr lang="it-IT" sz="1600" dirty="0"/>
-              <a:t>Numero di conferma di ricezione (ACK)</a:t>
-            </a:r>
-          </a:p>
-          <a:p>
-            <a:pPr marL="800100" lvl="1" indent="-342900">
-              <a:buFont typeface="+mj-lt"/>
-              <a:buAutoNum type="arabicPeriod"/>
-            </a:pPr>
-            <a:r>
-              <a:rPr lang="it-IT" sz="1600" dirty="0"/>
-              <a:t>Somma di controllo TCP (</a:t>
-            </a:r>
-            <a:r>
-              <a:rPr lang="it-IT" sz="1600" dirty="0" err="1"/>
-              <a:t>checksum</a:t>
-            </a:r>
-            <a:r>
-              <a:rPr lang="it-IT" sz="1600" dirty="0"/>
-              <a:t>)</a:t>
-            </a:r>
-          </a:p>
-          <a:p>
-            <a:pPr marL="800100" lvl="1" indent="-342900">
-              <a:buFont typeface="+mj-lt"/>
-              <a:buAutoNum type="arabicPeriod"/>
-            </a:pPr>
-            <a:r>
-              <a:rPr lang="it-IT" sz="1600" dirty="0"/>
-              <a:t>Dimensioni della finestra a scorrimento TCP</a:t>
-            </a:r>
-          </a:p>
-          <a:p>
-            <a:pPr marL="800100" lvl="1" indent="-342900">
-              <a:buFont typeface="+mj-lt"/>
-              <a:buAutoNum type="arabicPeriod"/>
-            </a:pPr>
-            <a:r>
-              <a:rPr lang="it-IT" sz="1600" dirty="0"/>
-              <a:t>Bit di segnalazione (FLAG)</a:t>
+              <a:t>senza  buffering: accetta  i  dati  e  li  trasmette  immediatamente (nessun servizio di buffering prima della trasmissione)</a:t>
+            </a:r>
+          </a:p>
+          <a:p>
+            <a:r>
+              <a:rPr lang="it-IT" sz="1800" dirty="0"/>
+              <a:t>Per  certe  applicazioni  la  mancanza  di  affidabilità  non  costituisce  un </a:t>
+            </a:r>
+          </a:p>
+          <a:p>
+            <a:r>
+              <a:rPr lang="it-IT" sz="1800" dirty="0"/>
+              <a:t>Problema. Esempio: trasmissione di flussi audio. Se si perde un pacchetto ogni tanto la comprensione del flusso da parte del destinatario non ne risulta compromessa</a:t>
             </a:r>
             <a:endParaRPr lang="it-IT" sz="1400" dirty="0"/>
           </a:p>
@@ -4235,12 +3997,222 @@
           </a:prstGeom>
         </p:spPr>
       </p:pic>
+    </p:spTree>
+    <p:extLst>
+      <p:ext uri="{BB962C8B-B14F-4D97-AF65-F5344CB8AC3E}">
+        <p14:creationId xmlns:p14="http://schemas.microsoft.com/office/powerpoint/2010/main" val="749893146"/>
+      </p:ext>
+    </p:extLst>
+  </p:cSld>
+  <p:clrMapOvr>
+    <a:masterClrMapping/>
+  </p:clrMapOvr>
+  <mc:AlternateContent xmlns:mc="http://schemas.openxmlformats.org/markup-compatibility/2006" xmlns:p159="http://schemas.microsoft.com/office/powerpoint/2015/09/main">
+    <mc:Choice Requires="p159">
+      <p:transition xmlns:p14="http://schemas.microsoft.com/office/powerpoint/2010/main" spd="slow" p14:dur="2000">
+        <p159:morph option="byObject"/>
+      </p:transition>
+    </mc:Choice>
+    <mc:Fallback xmlns="">
+      <p:transition spd="slow">
+        <p:fade/>
+      </p:transition>
+    </mc:Fallback>
+  </mc:AlternateContent>
+</p:sld>
+</file>
+
+<file path=ppt/slides/slide4.xml><?xml version="1.0" encoding="utf-8"?>
+<p:sld xmlns:a="http://schemas.openxmlformats.org/drawingml/2006/main" xmlns:r="http://schemas.openxmlformats.org/officeDocument/2006/relationships" xmlns:p="http://schemas.openxmlformats.org/presentationml/2006/main">
+  <p:cSld>
+    <p:spTree>
+      <p:nvGrpSpPr>
+        <p:cNvPr id="1" name=""/>
+        <p:cNvGrpSpPr/>
+        <p:nvPr/>
+      </p:nvGrpSpPr>
+      <p:grpSpPr>
+        <a:xfrm>
+          <a:off x="0" y="0"/>
+          <a:ext cx="0" cy="0"/>
+          <a:chOff x="0" y="0"/>
+          <a:chExt cx="0" cy="0"/>
+        </a:xfrm>
+      </p:grpSpPr>
+      <p:sp>
+        <p:nvSpPr>
+          <p:cNvPr id="5" name="Rettangolo con angoli arrotondati 4">
+            <a:extLst>
+              <a:ext uri="{FF2B5EF4-FFF2-40B4-BE49-F238E27FC236}">
+                <a16:creationId xmlns:a16="http://schemas.microsoft.com/office/drawing/2014/main" id="{9B281B25-3E31-EC1A-BB8F-795A8CC896CB}"/>
+              </a:ext>
+            </a:extLst>
+          </p:cNvPr>
+          <p:cNvSpPr/>
+          <p:nvPr/>
+        </p:nvSpPr>
+        <p:spPr>
+          <a:xfrm>
+            <a:off x="1381897" y="521279"/>
+            <a:ext cx="9428206" cy="1013254"/>
+          </a:xfrm>
+          <a:prstGeom prst="roundRect">
+            <a:avLst/>
+          </a:prstGeom>
+        </p:spPr>
+        <p:style>
+          <a:lnRef idx="2">
+            <a:schemeClr val="dk1">
+              <a:shade val="50000"/>
+            </a:schemeClr>
+          </a:lnRef>
+          <a:fillRef idx="1">
+            <a:schemeClr val="dk1"/>
+          </a:fillRef>
+          <a:effectRef idx="0">
+            <a:schemeClr val="dk1"/>
+          </a:effectRef>
+          <a:fontRef idx="minor">
+            <a:schemeClr val="lt1"/>
+          </a:fontRef>
+        </p:style>
+        <p:txBody>
+          <a:bodyPr rtlCol="0" anchor="ctr"/>
+          <a:lstStyle/>
+          <a:p>
+            <a:pPr algn="ctr"/>
+            <a:endParaRPr lang="it-IT"/>
+          </a:p>
+        </p:txBody>
+      </p:sp>
+      <p:sp>
+        <p:nvSpPr>
+          <p:cNvPr id="2" name="Titolo 1">
+            <a:extLst>
+              <a:ext uri="{FF2B5EF4-FFF2-40B4-BE49-F238E27FC236}">
+                <a16:creationId xmlns:a16="http://schemas.microsoft.com/office/drawing/2014/main" id="{89482AAA-D49C-41CC-87C3-E210C152BED8}"/>
+              </a:ext>
+            </a:extLst>
+          </p:cNvPr>
+          <p:cNvSpPr>
+            <a:spLocks noGrp="1"/>
+          </p:cNvSpPr>
+          <p:nvPr>
+            <p:ph type="title"/>
+          </p:nvPr>
+        </p:nvSpPr>
+        <p:spPr/>
+        <p:txBody>
+          <a:bodyPr>
+            <a:normAutofit/>
+          </a:bodyPr>
+          <a:lstStyle/>
+          <a:p>
+            <a:pPr algn="ctr"/>
+            <a:r>
+              <a:rPr lang="it-IT" sz="4800" dirty="0">
+                <a:solidFill>
+                  <a:schemeClr val="bg1"/>
+                </a:solidFill>
+                <a:latin typeface="Print Clearly" panose="02000000000000000000" pitchFamily="50" charset="0"/>
+              </a:rPr>
+              <a:t>UDP – Multiplexing &amp; </a:t>
+            </a:r>
+            <a:r>
+              <a:rPr lang="it-IT" sz="4800" dirty="0" err="1">
+                <a:solidFill>
+                  <a:schemeClr val="bg1"/>
+                </a:solidFill>
+                <a:latin typeface="Print Clearly" panose="02000000000000000000" pitchFamily="50" charset="0"/>
+              </a:rPr>
+              <a:t>Demultiplexing</a:t>
+            </a:r>
+            <a:endParaRPr lang="it-IT" sz="4800" dirty="0">
+              <a:solidFill>
+                <a:schemeClr val="bg1"/>
+              </a:solidFill>
+              <a:latin typeface="Print Clearly" panose="02000000000000000000" pitchFamily="50" charset="0"/>
+            </a:endParaRPr>
+          </a:p>
+        </p:txBody>
+      </p:sp>
+      <p:sp>
+        <p:nvSpPr>
+          <p:cNvPr id="28" name="Segnaposto contenuto 27">
+            <a:extLst>
+              <a:ext uri="{FF2B5EF4-FFF2-40B4-BE49-F238E27FC236}">
+                <a16:creationId xmlns:a16="http://schemas.microsoft.com/office/drawing/2014/main" id="{84105A06-87CB-83CE-05B0-FB5BAAF84C4A}"/>
+              </a:ext>
+            </a:extLst>
+          </p:cNvPr>
+          <p:cNvSpPr>
+            <a:spLocks noGrp="1"/>
+          </p:cNvSpPr>
+          <p:nvPr>
+            <p:ph idx="1"/>
+          </p:nvPr>
+        </p:nvSpPr>
+        <p:spPr/>
+        <p:txBody>
+          <a:bodyPr>
+            <a:normAutofit/>
+          </a:bodyPr>
+          <a:lstStyle/>
+          <a:p>
+            <a:r>
+              <a:rPr lang="it-IT" sz="1800" dirty="0"/>
+              <a:t>UDP supporta multiplexing e </a:t>
+            </a:r>
+            <a:r>
+              <a:rPr lang="it-IT" sz="1800" dirty="0" err="1"/>
+              <a:t>demultiplexing</a:t>
+            </a:r>
+            <a:r>
+              <a:rPr lang="it-IT" sz="1800" dirty="0"/>
+              <a:t> basato sulle porte</a:t>
+            </a:r>
+          </a:p>
+          <a:p>
+            <a:r>
+              <a:rPr lang="it-IT" sz="1800" dirty="0"/>
+              <a:t>In UDP la porta sorgente è opzionale (vale zero quando non è usata)</a:t>
+            </a:r>
+          </a:p>
+          <a:p>
+            <a:r>
+              <a:rPr lang="it-IT" sz="1800" dirty="0"/>
+              <a:t>Nella comunicazione </a:t>
+            </a:r>
+            <a:r>
+              <a:rPr lang="it-IT" sz="1800" dirty="0" err="1"/>
+              <a:t>connectionless</a:t>
+            </a:r>
+            <a:r>
+              <a:rPr lang="it-IT" sz="1800" dirty="0"/>
+              <a:t>, i pacchetti di più connessione UDP possono essere inviati durante la stessa trasmissione. Nel </a:t>
+            </a:r>
+            <a:r>
+              <a:rPr lang="it-IT" sz="1800" dirty="0" err="1"/>
+              <a:t>demultiplexing</a:t>
+            </a:r>
+            <a:r>
+              <a:rPr lang="it-IT" sz="1800" dirty="0"/>
+              <a:t> i pacchetti verranno reindirizzati in base al </a:t>
+            </a:r>
+            <a:r>
+              <a:rPr lang="it-IT" sz="1800" dirty="0" err="1"/>
+              <a:t>socket</a:t>
+            </a:r>
+            <a:endParaRPr lang="it-IT" sz="1400" dirty="0"/>
+          </a:p>
+        </p:txBody>
+      </p:sp>
       <p:pic>
         <p:nvPicPr>
-          <p:cNvPr id="6" name="Immagine 5">
-            <a:extLst>
-              <a:ext uri="{FF2B5EF4-FFF2-40B4-BE49-F238E27FC236}">
-                <a16:creationId xmlns:a16="http://schemas.microsoft.com/office/drawing/2014/main" id="{72AA8537-71FC-2B4D-B1ED-920282EB7CE6}"/>
+          <p:cNvPr id="4" name="Immagine 3">
+            <a:extLst>
+              <a:ext uri="{FF2B5EF4-FFF2-40B4-BE49-F238E27FC236}">
+                <a16:creationId xmlns:a16="http://schemas.microsoft.com/office/drawing/2014/main" id="{D77C5866-A614-48DA-8D6D-4A9AAB8F9B0D}"/>
               </a:ext>
             </a:extLst>
           </p:cNvPr>
@@ -4250,7 +4222,7 @@
           <p:nvPr/>
         </p:nvPicPr>
         <p:blipFill>
-          <a:blip r:embed="rId3">
+          <a:blip r:embed="rId2">
             <a:extLst>
               <a:ext uri="{28A0092B-C50C-407E-A947-70E740481C1C}">
                 <a14:useLocalDpi xmlns:a14="http://schemas.microsoft.com/office/drawing/2010/main" val="0"/>
@@ -4263,18 +4235,950 @@
         </p:blipFill>
         <p:spPr>
           <a:xfrm>
-            <a:off x="5789555" y="2005445"/>
-            <a:ext cx="5020548" cy="2847109"/>
+            <a:off x="9441877" y="6129856"/>
+            <a:ext cx="2414146" cy="397754"/>
           </a:xfrm>
           <a:prstGeom prst="rect">
             <a:avLst/>
           </a:prstGeom>
         </p:spPr>
       </p:pic>
+      <p:sp>
+        <p:nvSpPr>
+          <p:cNvPr id="3" name="Rettangolo con angoli arrotondati 2">
+            <a:extLst>
+              <a:ext uri="{FF2B5EF4-FFF2-40B4-BE49-F238E27FC236}">
+                <a16:creationId xmlns:a16="http://schemas.microsoft.com/office/drawing/2014/main" id="{1639CAD7-1236-8262-03BD-A52843109D3D}"/>
+              </a:ext>
+            </a:extLst>
+          </p:cNvPr>
+          <p:cNvSpPr/>
+          <p:nvPr/>
+        </p:nvSpPr>
+        <p:spPr>
+          <a:xfrm>
+            <a:off x="1686698" y="3629793"/>
+            <a:ext cx="846438" cy="302741"/>
+          </a:xfrm>
+          <a:prstGeom prst="roundRect">
+            <a:avLst/>
+          </a:prstGeom>
+        </p:spPr>
+        <p:style>
+          <a:lnRef idx="2">
+            <a:schemeClr val="accent1">
+              <a:shade val="50000"/>
+            </a:schemeClr>
+          </a:lnRef>
+          <a:fillRef idx="1">
+            <a:schemeClr val="accent1"/>
+          </a:fillRef>
+          <a:effectRef idx="0">
+            <a:schemeClr val="accent1"/>
+          </a:effectRef>
+          <a:fontRef idx="minor">
+            <a:schemeClr val="lt1"/>
+          </a:fontRef>
+        </p:style>
+        <p:txBody>
+          <a:bodyPr rtlCol="0" anchor="ctr"/>
+          <a:lstStyle/>
+          <a:p>
+            <a:pPr algn="ctr"/>
+            <a:r>
+              <a:rPr lang="en-US" sz="1600" dirty="0"/>
+              <a:t>Porta 1</a:t>
+            </a:r>
+            <a:endParaRPr lang="it-IT" sz="1600" dirty="0"/>
+          </a:p>
+        </p:txBody>
+      </p:sp>
+      <p:sp>
+        <p:nvSpPr>
+          <p:cNvPr id="6" name="Rettangolo con angoli arrotondati 5">
+            <a:extLst>
+              <a:ext uri="{FF2B5EF4-FFF2-40B4-BE49-F238E27FC236}">
+                <a16:creationId xmlns:a16="http://schemas.microsoft.com/office/drawing/2014/main" id="{A4948822-7072-2EFE-DD27-68C130887DCE}"/>
+              </a:ext>
+            </a:extLst>
+          </p:cNvPr>
+          <p:cNvSpPr/>
+          <p:nvPr/>
+        </p:nvSpPr>
+        <p:spPr>
+          <a:xfrm>
+            <a:off x="2958415" y="3629793"/>
+            <a:ext cx="846438" cy="302741"/>
+          </a:xfrm>
+          <a:prstGeom prst="roundRect">
+            <a:avLst/>
+          </a:prstGeom>
+        </p:spPr>
+        <p:style>
+          <a:lnRef idx="2">
+            <a:schemeClr val="accent2">
+              <a:shade val="50000"/>
+            </a:schemeClr>
+          </a:lnRef>
+          <a:fillRef idx="1">
+            <a:schemeClr val="accent2"/>
+          </a:fillRef>
+          <a:effectRef idx="0">
+            <a:schemeClr val="accent2"/>
+          </a:effectRef>
+          <a:fontRef idx="minor">
+            <a:schemeClr val="lt1"/>
+          </a:fontRef>
+        </p:style>
+        <p:txBody>
+          <a:bodyPr rtlCol="0" anchor="ctr"/>
+          <a:lstStyle/>
+          <a:p>
+            <a:pPr algn="ctr"/>
+            <a:r>
+              <a:rPr lang="en-US" sz="1600" dirty="0"/>
+              <a:t>Porta 2</a:t>
+            </a:r>
+            <a:endParaRPr lang="it-IT" sz="1600" dirty="0"/>
+          </a:p>
+        </p:txBody>
+      </p:sp>
+      <p:sp>
+        <p:nvSpPr>
+          <p:cNvPr id="7" name="Rettangolo con angoli arrotondati 6">
+            <a:extLst>
+              <a:ext uri="{FF2B5EF4-FFF2-40B4-BE49-F238E27FC236}">
+                <a16:creationId xmlns:a16="http://schemas.microsoft.com/office/drawing/2014/main" id="{B236BA19-B1D4-589A-49DE-6889EAAD81EC}"/>
+              </a:ext>
+            </a:extLst>
+          </p:cNvPr>
+          <p:cNvSpPr/>
+          <p:nvPr/>
+        </p:nvSpPr>
+        <p:spPr>
+          <a:xfrm>
+            <a:off x="4230132" y="3629793"/>
+            <a:ext cx="846438" cy="302741"/>
+          </a:xfrm>
+          <a:prstGeom prst="roundRect">
+            <a:avLst/>
+          </a:prstGeom>
+        </p:spPr>
+        <p:style>
+          <a:lnRef idx="2">
+            <a:schemeClr val="accent6">
+              <a:shade val="50000"/>
+            </a:schemeClr>
+          </a:lnRef>
+          <a:fillRef idx="1">
+            <a:schemeClr val="accent6"/>
+          </a:fillRef>
+          <a:effectRef idx="0">
+            <a:schemeClr val="accent6"/>
+          </a:effectRef>
+          <a:fontRef idx="minor">
+            <a:schemeClr val="lt1"/>
+          </a:fontRef>
+        </p:style>
+        <p:txBody>
+          <a:bodyPr rtlCol="0" anchor="ctr"/>
+          <a:lstStyle/>
+          <a:p>
+            <a:pPr algn="ctr"/>
+            <a:r>
+              <a:rPr lang="en-US" sz="1600" dirty="0"/>
+              <a:t>Porta 3</a:t>
+            </a:r>
+            <a:endParaRPr lang="it-IT" sz="1600" dirty="0"/>
+          </a:p>
+        </p:txBody>
+      </p:sp>
+      <p:sp>
+        <p:nvSpPr>
+          <p:cNvPr id="8" name="Rettangolo con angoli arrotondati 7">
+            <a:extLst>
+              <a:ext uri="{FF2B5EF4-FFF2-40B4-BE49-F238E27FC236}">
+                <a16:creationId xmlns:a16="http://schemas.microsoft.com/office/drawing/2014/main" id="{DFC828A5-0D66-807F-B76D-7FD78CD6AE7C}"/>
+              </a:ext>
+            </a:extLst>
+          </p:cNvPr>
+          <p:cNvSpPr/>
+          <p:nvPr/>
+        </p:nvSpPr>
+        <p:spPr>
+          <a:xfrm>
+            <a:off x="2325132" y="4425196"/>
+            <a:ext cx="2123302" cy="690991"/>
+          </a:xfrm>
+          <a:prstGeom prst="roundRect">
+            <a:avLst/>
+          </a:prstGeom>
+        </p:spPr>
+        <p:style>
+          <a:lnRef idx="2">
+            <a:schemeClr val="accent4">
+              <a:shade val="50000"/>
+            </a:schemeClr>
+          </a:lnRef>
+          <a:fillRef idx="1">
+            <a:schemeClr val="accent4"/>
+          </a:fillRef>
+          <a:effectRef idx="0">
+            <a:schemeClr val="accent4"/>
+          </a:effectRef>
+          <a:fontRef idx="minor">
+            <a:schemeClr val="lt1"/>
+          </a:fontRef>
+        </p:style>
+        <p:txBody>
+          <a:bodyPr rtlCol="0" anchor="ctr"/>
+          <a:lstStyle/>
+          <a:p>
+            <a:pPr algn="ctr"/>
+            <a:r>
+              <a:rPr lang="en-US" sz="1600" dirty="0"/>
+              <a:t>Multiplexing </a:t>
+            </a:r>
+            <a:r>
+              <a:rPr lang="en-US" sz="1600" dirty="0" err="1"/>
+              <a:t>basato</a:t>
+            </a:r>
+            <a:r>
+              <a:rPr lang="en-US" sz="1600" dirty="0"/>
+              <a:t> </a:t>
+            </a:r>
+            <a:r>
+              <a:rPr lang="en-US" sz="1600" dirty="0" err="1"/>
+              <a:t>su</a:t>
+            </a:r>
+            <a:r>
+              <a:rPr lang="en-US" sz="1600" dirty="0"/>
+              <a:t> </a:t>
+            </a:r>
+            <a:r>
+              <a:rPr lang="en-US" sz="1600" dirty="0" err="1"/>
+              <a:t>porte</a:t>
+            </a:r>
+            <a:endParaRPr lang="it-IT" sz="1600" dirty="0"/>
+          </a:p>
+        </p:txBody>
+      </p:sp>
+      <p:sp>
+        <p:nvSpPr>
+          <p:cNvPr id="9" name="Rettangolo con angoli arrotondati 8">
+            <a:extLst>
+              <a:ext uri="{FF2B5EF4-FFF2-40B4-BE49-F238E27FC236}">
+                <a16:creationId xmlns:a16="http://schemas.microsoft.com/office/drawing/2014/main" id="{33242170-E3D4-E63A-C98B-6B38E391A15E}"/>
+              </a:ext>
+            </a:extLst>
+          </p:cNvPr>
+          <p:cNvSpPr/>
+          <p:nvPr/>
+        </p:nvSpPr>
+        <p:spPr>
+          <a:xfrm>
+            <a:off x="2894575" y="5608849"/>
+            <a:ext cx="983390" cy="302741"/>
+          </a:xfrm>
+          <a:prstGeom prst="roundRect">
+            <a:avLst/>
+          </a:prstGeom>
+        </p:spPr>
+        <p:style>
+          <a:lnRef idx="2">
+            <a:schemeClr val="accent3">
+              <a:shade val="50000"/>
+            </a:schemeClr>
+          </a:lnRef>
+          <a:fillRef idx="1">
+            <a:schemeClr val="accent3"/>
+          </a:fillRef>
+          <a:effectRef idx="0">
+            <a:schemeClr val="accent3"/>
+          </a:effectRef>
+          <a:fontRef idx="minor">
+            <a:schemeClr val="lt1"/>
+          </a:fontRef>
+        </p:style>
+        <p:txBody>
+          <a:bodyPr rtlCol="0" anchor="ctr"/>
+          <a:lstStyle/>
+          <a:p>
+            <a:pPr algn="ctr"/>
+            <a:r>
+              <a:rPr lang="en-US" sz="1600" dirty="0" err="1"/>
+              <a:t>Strato</a:t>
+            </a:r>
+            <a:r>
+              <a:rPr lang="en-US" sz="1600" dirty="0"/>
+              <a:t> IP</a:t>
+            </a:r>
+            <a:endParaRPr lang="it-IT" sz="1600" dirty="0"/>
+          </a:p>
+        </p:txBody>
+      </p:sp>
+      <p:sp>
+        <p:nvSpPr>
+          <p:cNvPr id="10" name="Rettangolo con angoli arrotondati 9">
+            <a:extLst>
+              <a:ext uri="{FF2B5EF4-FFF2-40B4-BE49-F238E27FC236}">
+                <a16:creationId xmlns:a16="http://schemas.microsoft.com/office/drawing/2014/main" id="{9191B8EE-798D-A86E-C8F6-81CB294E8A0C}"/>
+              </a:ext>
+            </a:extLst>
+          </p:cNvPr>
+          <p:cNvSpPr/>
+          <p:nvPr/>
+        </p:nvSpPr>
+        <p:spPr>
+          <a:xfrm>
+            <a:off x="6481122" y="3629793"/>
+            <a:ext cx="846438" cy="302741"/>
+          </a:xfrm>
+          <a:prstGeom prst="roundRect">
+            <a:avLst/>
+          </a:prstGeom>
+        </p:spPr>
+        <p:style>
+          <a:lnRef idx="2">
+            <a:schemeClr val="accent1">
+              <a:shade val="50000"/>
+            </a:schemeClr>
+          </a:lnRef>
+          <a:fillRef idx="1">
+            <a:schemeClr val="accent1"/>
+          </a:fillRef>
+          <a:effectRef idx="0">
+            <a:schemeClr val="accent1"/>
+          </a:effectRef>
+          <a:fontRef idx="minor">
+            <a:schemeClr val="lt1"/>
+          </a:fontRef>
+        </p:style>
+        <p:txBody>
+          <a:bodyPr rtlCol="0" anchor="ctr"/>
+          <a:lstStyle/>
+          <a:p>
+            <a:pPr algn="ctr"/>
+            <a:r>
+              <a:rPr lang="en-US" sz="1600" dirty="0"/>
+              <a:t>Porta 1</a:t>
+            </a:r>
+            <a:endParaRPr lang="it-IT" sz="1600" dirty="0"/>
+          </a:p>
+        </p:txBody>
+      </p:sp>
+      <p:sp>
+        <p:nvSpPr>
+          <p:cNvPr id="11" name="Rettangolo con angoli arrotondati 10">
+            <a:extLst>
+              <a:ext uri="{FF2B5EF4-FFF2-40B4-BE49-F238E27FC236}">
+                <a16:creationId xmlns:a16="http://schemas.microsoft.com/office/drawing/2014/main" id="{0F07DFD7-752A-DFBB-6374-3DC1C95FE9F2}"/>
+              </a:ext>
+            </a:extLst>
+          </p:cNvPr>
+          <p:cNvSpPr/>
+          <p:nvPr/>
+        </p:nvSpPr>
+        <p:spPr>
+          <a:xfrm>
+            <a:off x="7752839" y="3629793"/>
+            <a:ext cx="846438" cy="302741"/>
+          </a:xfrm>
+          <a:prstGeom prst="roundRect">
+            <a:avLst/>
+          </a:prstGeom>
+        </p:spPr>
+        <p:style>
+          <a:lnRef idx="2">
+            <a:schemeClr val="accent2">
+              <a:shade val="50000"/>
+            </a:schemeClr>
+          </a:lnRef>
+          <a:fillRef idx="1">
+            <a:schemeClr val="accent2"/>
+          </a:fillRef>
+          <a:effectRef idx="0">
+            <a:schemeClr val="accent2"/>
+          </a:effectRef>
+          <a:fontRef idx="minor">
+            <a:schemeClr val="lt1"/>
+          </a:fontRef>
+        </p:style>
+        <p:txBody>
+          <a:bodyPr rtlCol="0" anchor="ctr"/>
+          <a:lstStyle/>
+          <a:p>
+            <a:pPr algn="ctr"/>
+            <a:r>
+              <a:rPr lang="en-US" sz="1600" dirty="0"/>
+              <a:t>Porta 2</a:t>
+            </a:r>
+            <a:endParaRPr lang="it-IT" sz="1600" dirty="0"/>
+          </a:p>
+        </p:txBody>
+      </p:sp>
+      <p:sp>
+        <p:nvSpPr>
+          <p:cNvPr id="12" name="Rettangolo con angoli arrotondati 11">
+            <a:extLst>
+              <a:ext uri="{FF2B5EF4-FFF2-40B4-BE49-F238E27FC236}">
+                <a16:creationId xmlns:a16="http://schemas.microsoft.com/office/drawing/2014/main" id="{BC4D223E-4F4E-7982-9317-D936FD0C11A9}"/>
+              </a:ext>
+            </a:extLst>
+          </p:cNvPr>
+          <p:cNvSpPr/>
+          <p:nvPr/>
+        </p:nvSpPr>
+        <p:spPr>
+          <a:xfrm>
+            <a:off x="9024556" y="3629793"/>
+            <a:ext cx="846438" cy="302741"/>
+          </a:xfrm>
+          <a:prstGeom prst="roundRect">
+            <a:avLst/>
+          </a:prstGeom>
+        </p:spPr>
+        <p:style>
+          <a:lnRef idx="2">
+            <a:schemeClr val="accent6">
+              <a:shade val="50000"/>
+            </a:schemeClr>
+          </a:lnRef>
+          <a:fillRef idx="1">
+            <a:schemeClr val="accent6"/>
+          </a:fillRef>
+          <a:effectRef idx="0">
+            <a:schemeClr val="accent6"/>
+          </a:effectRef>
+          <a:fontRef idx="minor">
+            <a:schemeClr val="lt1"/>
+          </a:fontRef>
+        </p:style>
+        <p:txBody>
+          <a:bodyPr rtlCol="0" anchor="ctr"/>
+          <a:lstStyle/>
+          <a:p>
+            <a:pPr algn="ctr"/>
+            <a:r>
+              <a:rPr lang="en-US" sz="1600" dirty="0"/>
+              <a:t>Porta 3</a:t>
+            </a:r>
+            <a:endParaRPr lang="it-IT" sz="1600" dirty="0"/>
+          </a:p>
+        </p:txBody>
+      </p:sp>
+      <p:sp>
+        <p:nvSpPr>
+          <p:cNvPr id="13" name="Rettangolo con angoli arrotondati 12">
+            <a:extLst>
+              <a:ext uri="{FF2B5EF4-FFF2-40B4-BE49-F238E27FC236}">
+                <a16:creationId xmlns:a16="http://schemas.microsoft.com/office/drawing/2014/main" id="{2CF6ACBC-5FE6-E958-82DF-836BB340D8C0}"/>
+              </a:ext>
+            </a:extLst>
+          </p:cNvPr>
+          <p:cNvSpPr/>
+          <p:nvPr/>
+        </p:nvSpPr>
+        <p:spPr>
+          <a:xfrm>
+            <a:off x="7119556" y="4425196"/>
+            <a:ext cx="2123302" cy="690991"/>
+          </a:xfrm>
+          <a:prstGeom prst="roundRect">
+            <a:avLst/>
+          </a:prstGeom>
+        </p:spPr>
+        <p:style>
+          <a:lnRef idx="2">
+            <a:schemeClr val="accent4">
+              <a:shade val="50000"/>
+            </a:schemeClr>
+          </a:lnRef>
+          <a:fillRef idx="1">
+            <a:schemeClr val="accent4"/>
+          </a:fillRef>
+          <a:effectRef idx="0">
+            <a:schemeClr val="accent4"/>
+          </a:effectRef>
+          <a:fontRef idx="minor">
+            <a:schemeClr val="lt1"/>
+          </a:fontRef>
+        </p:style>
+        <p:txBody>
+          <a:bodyPr rtlCol="0" anchor="ctr"/>
+          <a:lstStyle/>
+          <a:p>
+            <a:pPr algn="ctr"/>
+            <a:r>
+              <a:rPr lang="en-US" sz="1600" dirty="0"/>
+              <a:t>Demultiplexing </a:t>
+            </a:r>
+            <a:r>
+              <a:rPr lang="en-US" sz="1600" dirty="0" err="1"/>
+              <a:t>basato</a:t>
+            </a:r>
+            <a:r>
+              <a:rPr lang="en-US" sz="1600" dirty="0"/>
+              <a:t> </a:t>
+            </a:r>
+            <a:r>
+              <a:rPr lang="en-US" sz="1600" dirty="0" err="1"/>
+              <a:t>su</a:t>
+            </a:r>
+            <a:r>
+              <a:rPr lang="en-US" sz="1600" dirty="0"/>
+              <a:t> </a:t>
+            </a:r>
+            <a:r>
+              <a:rPr lang="en-US" sz="1600" dirty="0" err="1"/>
+              <a:t>porte</a:t>
+            </a:r>
+            <a:endParaRPr lang="it-IT" sz="1600" dirty="0"/>
+          </a:p>
+        </p:txBody>
+      </p:sp>
+      <p:sp>
+        <p:nvSpPr>
+          <p:cNvPr id="14" name="Rettangolo con angoli arrotondati 13">
+            <a:extLst>
+              <a:ext uri="{FF2B5EF4-FFF2-40B4-BE49-F238E27FC236}">
+                <a16:creationId xmlns:a16="http://schemas.microsoft.com/office/drawing/2014/main" id="{53354079-D1BD-9621-DC92-0E4FE6BCDF47}"/>
+              </a:ext>
+            </a:extLst>
+          </p:cNvPr>
+          <p:cNvSpPr/>
+          <p:nvPr/>
+        </p:nvSpPr>
+        <p:spPr>
+          <a:xfrm>
+            <a:off x="7688999" y="5608849"/>
+            <a:ext cx="983390" cy="302741"/>
+          </a:xfrm>
+          <a:prstGeom prst="roundRect">
+            <a:avLst/>
+          </a:prstGeom>
+        </p:spPr>
+        <p:style>
+          <a:lnRef idx="2">
+            <a:schemeClr val="accent3">
+              <a:shade val="50000"/>
+            </a:schemeClr>
+          </a:lnRef>
+          <a:fillRef idx="1">
+            <a:schemeClr val="accent3"/>
+          </a:fillRef>
+          <a:effectRef idx="0">
+            <a:schemeClr val="accent3"/>
+          </a:effectRef>
+          <a:fontRef idx="minor">
+            <a:schemeClr val="lt1"/>
+          </a:fontRef>
+        </p:style>
+        <p:txBody>
+          <a:bodyPr rtlCol="0" anchor="ctr"/>
+          <a:lstStyle/>
+          <a:p>
+            <a:pPr algn="ctr"/>
+            <a:r>
+              <a:rPr lang="en-US" sz="1600" dirty="0" err="1"/>
+              <a:t>Strato</a:t>
+            </a:r>
+            <a:r>
+              <a:rPr lang="en-US" sz="1600" dirty="0"/>
+              <a:t> IP</a:t>
+            </a:r>
+            <a:endParaRPr lang="it-IT" sz="1600" dirty="0"/>
+          </a:p>
+        </p:txBody>
+      </p:sp>
+      <p:cxnSp>
+        <p:nvCxnSpPr>
+          <p:cNvPr id="16" name="Connettore 2 15">
+            <a:extLst>
+              <a:ext uri="{FF2B5EF4-FFF2-40B4-BE49-F238E27FC236}">
+                <a16:creationId xmlns:a16="http://schemas.microsoft.com/office/drawing/2014/main" id="{E81C0A55-FF0D-0D6F-E992-D3F13ACD49D6}"/>
+              </a:ext>
+            </a:extLst>
+          </p:cNvPr>
+          <p:cNvCxnSpPr>
+            <a:stCxn id="9" idx="3"/>
+            <a:endCxn id="14" idx="1"/>
+          </p:cNvCxnSpPr>
+          <p:nvPr/>
+        </p:nvCxnSpPr>
+        <p:spPr>
+          <a:xfrm>
+            <a:off x="3877965" y="5760220"/>
+            <a:ext cx="3811034" cy="0"/>
+          </a:xfrm>
+          <a:prstGeom prst="straightConnector1">
+            <a:avLst/>
+          </a:prstGeom>
+          <a:ln>
+            <a:tailEnd type="triangle"/>
+          </a:ln>
+        </p:spPr>
+        <p:style>
+          <a:lnRef idx="1">
+            <a:schemeClr val="accent3"/>
+          </a:lnRef>
+          <a:fillRef idx="0">
+            <a:schemeClr val="accent3"/>
+          </a:fillRef>
+          <a:effectRef idx="0">
+            <a:schemeClr val="accent3"/>
+          </a:effectRef>
+          <a:fontRef idx="minor">
+            <a:schemeClr val="tx1"/>
+          </a:fontRef>
+        </p:style>
+      </p:cxnSp>
+      <p:cxnSp>
+        <p:nvCxnSpPr>
+          <p:cNvPr id="18" name="Connettore 2 17">
+            <a:extLst>
+              <a:ext uri="{FF2B5EF4-FFF2-40B4-BE49-F238E27FC236}">
+                <a16:creationId xmlns:a16="http://schemas.microsoft.com/office/drawing/2014/main" id="{A8763101-A010-3219-D7EA-D63F00581E47}"/>
+              </a:ext>
+            </a:extLst>
+          </p:cNvPr>
+          <p:cNvCxnSpPr>
+            <a:stCxn id="3" idx="2"/>
+            <a:endCxn id="8" idx="0"/>
+          </p:cNvCxnSpPr>
+          <p:nvPr/>
+        </p:nvCxnSpPr>
+        <p:spPr>
+          <a:xfrm>
+            <a:off x="2109917" y="3932534"/>
+            <a:ext cx="1276866" cy="492662"/>
+          </a:xfrm>
+          <a:prstGeom prst="straightConnector1">
+            <a:avLst/>
+          </a:prstGeom>
+          <a:ln>
+            <a:tailEnd type="triangle"/>
+          </a:ln>
+        </p:spPr>
+        <p:style>
+          <a:lnRef idx="1">
+            <a:schemeClr val="accent1"/>
+          </a:lnRef>
+          <a:fillRef idx="0">
+            <a:schemeClr val="accent1"/>
+          </a:fillRef>
+          <a:effectRef idx="0">
+            <a:schemeClr val="accent1"/>
+          </a:effectRef>
+          <a:fontRef idx="minor">
+            <a:schemeClr val="tx1"/>
+          </a:fontRef>
+        </p:style>
+      </p:cxnSp>
+      <p:cxnSp>
+        <p:nvCxnSpPr>
+          <p:cNvPr id="20" name="Connettore 2 19">
+            <a:extLst>
+              <a:ext uri="{FF2B5EF4-FFF2-40B4-BE49-F238E27FC236}">
+                <a16:creationId xmlns:a16="http://schemas.microsoft.com/office/drawing/2014/main" id="{7399FEFE-332A-9D3B-6EE8-2571798C5327}"/>
+              </a:ext>
+            </a:extLst>
+          </p:cNvPr>
+          <p:cNvCxnSpPr>
+            <a:stCxn id="6" idx="2"/>
+            <a:endCxn id="8" idx="0"/>
+          </p:cNvCxnSpPr>
+          <p:nvPr/>
+        </p:nvCxnSpPr>
+        <p:spPr>
+          <a:xfrm>
+            <a:off x="3381634" y="3932534"/>
+            <a:ext cx="5149" cy="492662"/>
+          </a:xfrm>
+          <a:prstGeom prst="straightConnector1">
+            <a:avLst/>
+          </a:prstGeom>
+          <a:ln>
+            <a:tailEnd type="triangle"/>
+          </a:ln>
+        </p:spPr>
+        <p:style>
+          <a:lnRef idx="1">
+            <a:schemeClr val="accent2"/>
+          </a:lnRef>
+          <a:fillRef idx="0">
+            <a:schemeClr val="accent2"/>
+          </a:fillRef>
+          <a:effectRef idx="0">
+            <a:schemeClr val="accent2"/>
+          </a:effectRef>
+          <a:fontRef idx="minor">
+            <a:schemeClr val="tx1"/>
+          </a:fontRef>
+        </p:style>
+      </p:cxnSp>
+      <p:cxnSp>
+        <p:nvCxnSpPr>
+          <p:cNvPr id="21" name="Connettore 2 20">
+            <a:extLst>
+              <a:ext uri="{FF2B5EF4-FFF2-40B4-BE49-F238E27FC236}">
+                <a16:creationId xmlns:a16="http://schemas.microsoft.com/office/drawing/2014/main" id="{290862C6-6C0A-377E-3B05-99D37C4BE634}"/>
+              </a:ext>
+            </a:extLst>
+          </p:cNvPr>
+          <p:cNvCxnSpPr>
+            <a:cxnSpLocks/>
+            <a:stCxn id="7" idx="2"/>
+            <a:endCxn id="8" idx="0"/>
+          </p:cNvCxnSpPr>
+          <p:nvPr/>
+        </p:nvCxnSpPr>
+        <p:spPr>
+          <a:xfrm flipH="1">
+            <a:off x="3386783" y="3932534"/>
+            <a:ext cx="1266568" cy="492662"/>
+          </a:xfrm>
+          <a:prstGeom prst="straightConnector1">
+            <a:avLst/>
+          </a:prstGeom>
+          <a:ln>
+            <a:tailEnd type="triangle"/>
+          </a:ln>
+        </p:spPr>
+        <p:style>
+          <a:lnRef idx="1">
+            <a:schemeClr val="accent6"/>
+          </a:lnRef>
+          <a:fillRef idx="0">
+            <a:schemeClr val="accent6"/>
+          </a:fillRef>
+          <a:effectRef idx="0">
+            <a:schemeClr val="accent6"/>
+          </a:effectRef>
+          <a:fontRef idx="minor">
+            <a:schemeClr val="tx1"/>
+          </a:fontRef>
+        </p:style>
+      </p:cxnSp>
+      <p:cxnSp>
+        <p:nvCxnSpPr>
+          <p:cNvPr id="24" name="Connettore 2 23">
+            <a:extLst>
+              <a:ext uri="{FF2B5EF4-FFF2-40B4-BE49-F238E27FC236}">
+                <a16:creationId xmlns:a16="http://schemas.microsoft.com/office/drawing/2014/main" id="{A18B3735-8D48-BEF5-E541-B7C8EFB1CB27}"/>
+              </a:ext>
+            </a:extLst>
+          </p:cNvPr>
+          <p:cNvCxnSpPr>
+            <a:cxnSpLocks/>
+            <a:stCxn id="8" idx="2"/>
+            <a:endCxn id="9" idx="0"/>
+          </p:cNvCxnSpPr>
+          <p:nvPr/>
+        </p:nvCxnSpPr>
+        <p:spPr>
+          <a:xfrm flipH="1">
+            <a:off x="3386270" y="5116187"/>
+            <a:ext cx="513" cy="492662"/>
+          </a:xfrm>
+          <a:prstGeom prst="straightConnector1">
+            <a:avLst/>
+          </a:prstGeom>
+          <a:ln>
+            <a:tailEnd type="triangle"/>
+          </a:ln>
+        </p:spPr>
+        <p:style>
+          <a:lnRef idx="1">
+            <a:schemeClr val="accent4"/>
+          </a:lnRef>
+          <a:fillRef idx="0">
+            <a:schemeClr val="accent4"/>
+          </a:fillRef>
+          <a:effectRef idx="0">
+            <a:schemeClr val="accent4"/>
+          </a:effectRef>
+          <a:fontRef idx="minor">
+            <a:schemeClr val="tx1"/>
+          </a:fontRef>
+        </p:style>
+      </p:cxnSp>
+      <p:cxnSp>
+        <p:nvCxnSpPr>
+          <p:cNvPr id="27" name="Connettore 2 26">
+            <a:extLst>
+              <a:ext uri="{FF2B5EF4-FFF2-40B4-BE49-F238E27FC236}">
+                <a16:creationId xmlns:a16="http://schemas.microsoft.com/office/drawing/2014/main" id="{45BBEB46-38F0-29EA-43AE-883F9AB90B70}"/>
+              </a:ext>
+            </a:extLst>
+          </p:cNvPr>
+          <p:cNvCxnSpPr>
+            <a:cxnSpLocks/>
+            <a:stCxn id="14" idx="0"/>
+            <a:endCxn id="13" idx="2"/>
+          </p:cNvCxnSpPr>
+          <p:nvPr/>
+        </p:nvCxnSpPr>
+        <p:spPr>
+          <a:xfrm flipV="1">
+            <a:off x="8180694" y="5116187"/>
+            <a:ext cx="513" cy="492662"/>
+          </a:xfrm>
+          <a:prstGeom prst="straightConnector1">
+            <a:avLst/>
+          </a:prstGeom>
+          <a:ln>
+            <a:tailEnd type="triangle"/>
+          </a:ln>
+        </p:spPr>
+        <p:style>
+          <a:lnRef idx="1">
+            <a:schemeClr val="accent3"/>
+          </a:lnRef>
+          <a:fillRef idx="0">
+            <a:schemeClr val="accent3"/>
+          </a:fillRef>
+          <a:effectRef idx="0">
+            <a:schemeClr val="accent3"/>
+          </a:effectRef>
+          <a:fontRef idx="minor">
+            <a:schemeClr val="tx1"/>
+          </a:fontRef>
+        </p:style>
+      </p:cxnSp>
+      <p:cxnSp>
+        <p:nvCxnSpPr>
+          <p:cNvPr id="31" name="Connettore 2 30">
+            <a:extLst>
+              <a:ext uri="{FF2B5EF4-FFF2-40B4-BE49-F238E27FC236}">
+                <a16:creationId xmlns:a16="http://schemas.microsoft.com/office/drawing/2014/main" id="{BA0A9F3E-5A12-CE1E-0B8A-A3AC53852793}"/>
+              </a:ext>
+            </a:extLst>
+          </p:cNvPr>
+          <p:cNvCxnSpPr>
+            <a:cxnSpLocks/>
+            <a:stCxn id="13" idx="0"/>
+            <a:endCxn id="10" idx="2"/>
+          </p:cNvCxnSpPr>
+          <p:nvPr/>
+        </p:nvCxnSpPr>
+        <p:spPr>
+          <a:xfrm flipH="1" flipV="1">
+            <a:off x="6904341" y="3932534"/>
+            <a:ext cx="1276866" cy="492662"/>
+          </a:xfrm>
+          <a:prstGeom prst="straightConnector1">
+            <a:avLst/>
+          </a:prstGeom>
+          <a:ln>
+            <a:tailEnd type="triangle"/>
+          </a:ln>
+        </p:spPr>
+        <p:style>
+          <a:lnRef idx="1">
+            <a:schemeClr val="accent4"/>
+          </a:lnRef>
+          <a:fillRef idx="0">
+            <a:schemeClr val="accent4"/>
+          </a:fillRef>
+          <a:effectRef idx="0">
+            <a:schemeClr val="accent4"/>
+          </a:effectRef>
+          <a:fontRef idx="minor">
+            <a:schemeClr val="tx1"/>
+          </a:fontRef>
+        </p:style>
+      </p:cxnSp>
+      <p:cxnSp>
+        <p:nvCxnSpPr>
+          <p:cNvPr id="34" name="Connettore 2 33">
+            <a:extLst>
+              <a:ext uri="{FF2B5EF4-FFF2-40B4-BE49-F238E27FC236}">
+                <a16:creationId xmlns:a16="http://schemas.microsoft.com/office/drawing/2014/main" id="{8334A50E-92EB-1822-C0C1-87158A716E9A}"/>
+              </a:ext>
+            </a:extLst>
+          </p:cNvPr>
+          <p:cNvCxnSpPr>
+            <a:cxnSpLocks/>
+            <a:stCxn id="13" idx="0"/>
+            <a:endCxn id="11" idx="2"/>
+          </p:cNvCxnSpPr>
+          <p:nvPr/>
+        </p:nvCxnSpPr>
+        <p:spPr>
+          <a:xfrm flipH="1" flipV="1">
+            <a:off x="8176058" y="3932534"/>
+            <a:ext cx="5149" cy="492662"/>
+          </a:xfrm>
+          <a:prstGeom prst="straightConnector1">
+            <a:avLst/>
+          </a:prstGeom>
+          <a:ln>
+            <a:tailEnd type="triangle"/>
+          </a:ln>
+        </p:spPr>
+        <p:style>
+          <a:lnRef idx="1">
+            <a:schemeClr val="accent4"/>
+          </a:lnRef>
+          <a:fillRef idx="0">
+            <a:schemeClr val="accent4"/>
+          </a:fillRef>
+          <a:effectRef idx="0">
+            <a:schemeClr val="accent4"/>
+          </a:effectRef>
+          <a:fontRef idx="minor">
+            <a:schemeClr val="tx1"/>
+          </a:fontRef>
+        </p:style>
+      </p:cxnSp>
+      <p:cxnSp>
+        <p:nvCxnSpPr>
+          <p:cNvPr id="37" name="Connettore 2 36">
+            <a:extLst>
+              <a:ext uri="{FF2B5EF4-FFF2-40B4-BE49-F238E27FC236}">
+                <a16:creationId xmlns:a16="http://schemas.microsoft.com/office/drawing/2014/main" id="{206BFAA7-E858-1C2A-66AB-74534CE99036}"/>
+              </a:ext>
+            </a:extLst>
+          </p:cNvPr>
+          <p:cNvCxnSpPr>
+            <a:cxnSpLocks/>
+            <a:stCxn id="13" idx="0"/>
+            <a:endCxn id="12" idx="2"/>
+          </p:cNvCxnSpPr>
+          <p:nvPr/>
+        </p:nvCxnSpPr>
+        <p:spPr>
+          <a:xfrm flipV="1">
+            <a:off x="8181207" y="3932534"/>
+            <a:ext cx="1266568" cy="492662"/>
+          </a:xfrm>
+          <a:prstGeom prst="straightConnector1">
+            <a:avLst/>
+          </a:prstGeom>
+          <a:ln>
+            <a:tailEnd type="triangle"/>
+          </a:ln>
+        </p:spPr>
+        <p:style>
+          <a:lnRef idx="1">
+            <a:schemeClr val="accent4"/>
+          </a:lnRef>
+          <a:fillRef idx="0">
+            <a:schemeClr val="accent4"/>
+          </a:fillRef>
+          <a:effectRef idx="0">
+            <a:schemeClr val="accent4"/>
+          </a:effectRef>
+          <a:fontRef idx="minor">
+            <a:schemeClr val="tx1"/>
+          </a:fontRef>
+        </p:style>
+      </p:cxnSp>
     </p:spTree>
     <p:extLst>
       <p:ext uri="{BB962C8B-B14F-4D97-AF65-F5344CB8AC3E}">
-        <p14:creationId xmlns:p14="http://schemas.microsoft.com/office/powerpoint/2010/main" val="749893146"/>
+        <p14:creationId xmlns:p14="http://schemas.microsoft.com/office/powerpoint/2010/main" val="2387472075"/>
       </p:ext>
     </p:extLst>
   </p:cSld>
@@ -4390,8 +5294,23 @@
                 </a:solidFill>
                 <a:latin typeface="Print Clearly" panose="02000000000000000000" pitchFamily="50" charset="0"/>
               </a:rPr>
-              <a:t>TCP</a:t>
-            </a:r>
+              <a:t>Formato del </a:t>
+            </a:r>
+            <a:r>
+              <a:rPr lang="it-IT" sz="4800" dirty="0" err="1">
+                <a:solidFill>
+                  <a:schemeClr val="bg1"/>
+                </a:solidFill>
+                <a:latin typeface="Print Clearly" panose="02000000000000000000" pitchFamily="50" charset="0"/>
+              </a:rPr>
+              <a:t>Datagram</a:t>
+            </a:r>
+            <a:endParaRPr lang="it-IT" sz="4800" dirty="0">
+              <a:solidFill>
+                <a:schemeClr val="bg1"/>
+              </a:solidFill>
+              <a:latin typeface="Print Clearly" panose="02000000000000000000" pitchFamily="50" charset="0"/>
+            </a:endParaRPr>
           </a:p>
         </p:txBody>
       </p:sp>
@@ -4420,66 +5339,47 @@
           <a:p>
             <a:r>
               <a:rPr lang="it-IT" sz="1800" dirty="0"/>
-              <a:t>Per capire il significato del numero di sequenza, bisogna ricordare che i segmenti TCP viaggiano in un ordine sequenziale numerato, all'interno di pacchetti IP. Il numero di sequenza nell'intestazione TCP stabilisce l'ordine che la destinazione deve usare per riassemblare i segmenti nell’ordine di partenza. </a:t>
+              <a:t>Porta di destinazione: identifica il processo di destinazione</a:t>
             </a:r>
           </a:p>
           <a:p>
             <a:r>
               <a:rPr lang="it-IT" sz="1800" dirty="0"/>
-              <a:t>Quando </a:t>
+              <a:t>Porta  sorgente  (opzionale): identifica  il  processo  sorgente  per  le  risposte, oppure vale zero</a:t>
+            </a:r>
+          </a:p>
+          <a:p>
+            <a:r>
+              <a:rPr lang="it-IT" sz="1800" dirty="0"/>
+              <a:t>Lunghezza del messaggio: lunghezza del </a:t>
             </a:r>
             <a:r>
               <a:rPr lang="it-IT" sz="1800" dirty="0" err="1"/>
-              <a:t>l’host</a:t>
+              <a:t>datagram</a:t>
             </a:r>
             <a:r>
               <a:rPr lang="it-IT" sz="1800" dirty="0"/>
-              <a:t> ricevente ottiene un segmento TCP, risponde al mittente con un piccolo pacchetto di conferma detto ACK (</a:t>
-            </a:r>
+              <a:t> in byte, compresi intestazione e dati</a:t>
+            </a:r>
+          </a:p>
+          <a:p>
             <a:r>
               <a:rPr lang="it-IT" sz="1800" dirty="0" err="1"/>
-              <a:t>ACKnowledgment</a:t>
+              <a:t>Checksum</a:t>
             </a:r>
             <a:r>
               <a:rPr lang="it-IT" sz="1800" dirty="0"/>
-              <a:t>) o conferma di ricezione. Il numero di ciascuna conferma di ricezione coincide con il numero di sequenza del pacchetto che è stato ricevuto più uno.</a:t>
-            </a:r>
-          </a:p>
-          <a:p>
+              <a:t> (opzionale): </a:t>
+            </a:r>
+            <a:r>
+              <a:rPr lang="it-IT" sz="1800" dirty="0" err="1"/>
+              <a:t>checksum</a:t>
+            </a:r>
             <a:r>
               <a:rPr lang="it-IT" sz="1800" dirty="0"/>
-              <a:t>Il mancato ACK viene rilevato dal mittente: se non riceve una conferma di ricezione per ogni pacchetto che ha trasmesso, trascorso un tempo t di </a:t>
-            </a:r>
-            <a:r>
-              <a:rPr lang="it-IT" sz="1800" dirty="0" err="1"/>
-              <a:t>timeout</a:t>
-            </a:r>
-            <a:r>
-              <a:rPr lang="it-IT" sz="1800" dirty="0"/>
-              <a:t>, il mittente rimanda il pacchetto in questione.</a:t>
-            </a:r>
-          </a:p>
-          <a:p>
-            <a:r>
-              <a:rPr lang="it-IT" sz="1800" dirty="0"/>
-              <a:t>Nella pratica, per ridurre il numero di conferme (ACK) ed ottimizzare lo scambio dei dati, gli </a:t>
-            </a:r>
-            <a:r>
-              <a:rPr lang="it-IT" sz="1800" dirty="0" err="1"/>
-              <a:t>host</a:t>
-            </a:r>
-            <a:r>
-              <a:rPr lang="it-IT" sz="1800" dirty="0"/>
-              <a:t> scambiano anche un numero relativo alla dimensione della finestra (campo Window): questo numero indica quanti byte possono essere ricevuti e mantenuti nel buffer prima di inviare una conferma (</a:t>
-            </a:r>
-            <a:r>
-              <a:rPr lang="it-IT" sz="1800" dirty="0" err="1"/>
-              <a:t>ack</a:t>
-            </a:r>
-            <a:r>
-              <a:rPr lang="it-IT" sz="1800" dirty="0"/>
-              <a:t>). La finestra viene adattata in base alle condizioni del trasferimento (es. errori rilevati)regolando il flusso TCP. </a:t>
-            </a:r>
+              <a:t> di 16 bit su intestazione e dati, oppure zero</a:t>
+            </a:r>
+            <a:endParaRPr lang="it-IT" sz="1400" dirty="0"/>
           </a:p>
         </p:txBody>
       </p:sp>
@@ -4519,10 +5419,40 @@
           </a:prstGeom>
         </p:spPr>
       </p:pic>
+      <p:pic>
+        <p:nvPicPr>
+          <p:cNvPr id="41" name="Immagine 40">
+            <a:extLst>
+              <a:ext uri="{FF2B5EF4-FFF2-40B4-BE49-F238E27FC236}">
+                <a16:creationId xmlns:a16="http://schemas.microsoft.com/office/drawing/2014/main" id="{5493D07A-293B-D005-AFDD-BDB8759F8A61}"/>
+              </a:ext>
+            </a:extLst>
+          </p:cNvPr>
+          <p:cNvPicPr>
+            <a:picLocks noChangeAspect="1"/>
+          </p:cNvPicPr>
+          <p:nvPr/>
+        </p:nvPicPr>
+        <p:blipFill>
+          <a:blip r:embed="rId3"/>
+          <a:stretch>
+            <a:fillRect/>
+          </a:stretch>
+        </p:blipFill>
+        <p:spPr>
+          <a:xfrm>
+            <a:off x="2903413" y="3681042"/>
+            <a:ext cx="6385174" cy="2173829"/>
+          </a:xfrm>
+          <a:prstGeom prst="rect">
+            <a:avLst/>
+          </a:prstGeom>
+        </p:spPr>
+      </p:pic>
     </p:spTree>
     <p:extLst>
       <p:ext uri="{BB962C8B-B14F-4D97-AF65-F5344CB8AC3E}">
-        <p14:creationId xmlns:p14="http://schemas.microsoft.com/office/powerpoint/2010/main" val="314647708"/>
+        <p14:creationId xmlns:p14="http://schemas.microsoft.com/office/powerpoint/2010/main" val="177056298"/>
       </p:ext>
     </p:extLst>
   </p:cSld>
@@ -4632,22 +5562,13 @@
           <a:p>
             <a:pPr algn="ctr"/>
             <a:r>
-              <a:rPr lang="it-IT" sz="4800" dirty="0">
+              <a:rPr lang="en-US" sz="4800" dirty="0">
                 <a:solidFill>
                   <a:schemeClr val="bg1"/>
                 </a:solidFill>
                 <a:latin typeface="Print Clearly" panose="02000000000000000000" pitchFamily="50" charset="0"/>
               </a:rPr>
-              <a:t>TCP – Three Way </a:t>
-            </a:r>
-            <a:r>
-              <a:rPr lang="it-IT" sz="4800" dirty="0" err="1">
-                <a:solidFill>
-                  <a:schemeClr val="bg1"/>
-                </a:solidFill>
-                <a:latin typeface="Print Clearly" panose="02000000000000000000" pitchFamily="50" charset="0"/>
-              </a:rPr>
-              <a:t>Handshake</a:t>
+              <a:t>TCP VS UDP</a:t>
             </a:r>
             <a:endParaRPr lang="it-IT" sz="4800" dirty="0">
               <a:solidFill>
@@ -4671,7 +5592,7 @@
             <a:spLocks noGrp="1"/>
           </p:cNvSpPr>
           <p:nvPr>
-            <p:ph sz="half" idx="1"/>
+            <p:ph idx="1"/>
           </p:nvPr>
         </p:nvSpPr>
         <p:spPr/>
@@ -4683,62 +5604,121 @@
           <a:p>
             <a:r>
               <a:rPr lang="it-IT" sz="1800" dirty="0"/>
-              <a:t>Il  procedimento  per  avviare  una  connessione  TCP  può essere informalmente descritto come segue:</a:t>
-            </a:r>
-          </a:p>
-          <a:p>
-            <a:pPr marL="800100" lvl="1" indent="-342900">
+              <a:t>La scelta di UDP rispetto a TCP si basa su:</a:t>
+            </a:r>
+          </a:p>
+          <a:p>
+            <a:pPr lvl="1"/>
+            <a:r>
+              <a:rPr lang="it-IT" sz="1600" dirty="0"/>
+              <a:t>Funzionalità</a:t>
+            </a:r>
+          </a:p>
+          <a:p>
+            <a:pPr lvl="1"/>
+            <a:r>
+              <a:rPr lang="it-IT" sz="1600" dirty="0"/>
+              <a:t>Prestazioni</a:t>
+            </a:r>
+          </a:p>
+          <a:p>
+            <a:r>
+              <a:rPr lang="it-IT" sz="1800" dirty="0"/>
+              <a:t>Prestazioni a confronto</a:t>
+            </a:r>
+          </a:p>
+          <a:p>
+            <a:pPr lvl="1"/>
+            <a:r>
+              <a:rPr lang="it-IT" sz="1600" dirty="0"/>
+              <a:t>I  meccanismi  per  la  gestione  dell’affidabilità  possono  ridurre  il throughput</a:t>
+            </a:r>
+          </a:p>
+          <a:p>
+            <a:pPr lvl="1"/>
+            <a:r>
+              <a:rPr lang="it-IT" sz="1600" dirty="0"/>
+              <a:t>TCP ha un elevato overhead per segmento (</a:t>
+            </a:r>
+            <a:r>
+              <a:rPr lang="it-IT" sz="1600" dirty="0" err="1"/>
+              <a:t>header</a:t>
+            </a:r>
+            <a:r>
+              <a:rPr lang="it-IT" sz="1600" dirty="0"/>
+              <a:t> grande)</a:t>
+            </a:r>
+          </a:p>
+          <a:p>
+            <a:r>
+              <a:rPr lang="it-IT" sz="1800" dirty="0"/>
+              <a:t>Affidabilità</a:t>
+            </a:r>
+          </a:p>
+          <a:p>
+            <a:pPr lvl="1"/>
+            <a:r>
+              <a:rPr lang="it-IT" sz="1600" dirty="0"/>
+              <a:t>TCP fornisce trasferimenti affidabili e ordinati</a:t>
+            </a:r>
+          </a:p>
+          <a:p>
+            <a:pPr lvl="1"/>
+            <a:r>
+              <a:rPr lang="it-IT" sz="1600" dirty="0"/>
+              <a:t>UDP  fornisce  un  servizio  inaffidabile,  l’applicazione  deve  accettare  o considerare:</a:t>
+            </a:r>
+          </a:p>
+          <a:p>
+            <a:pPr marL="1257300" lvl="2" indent="-342900">
               <a:buFont typeface="+mj-lt"/>
               <a:buAutoNum type="arabicPeriod"/>
             </a:pPr>
             <a:r>
               <a:rPr lang="it-IT" sz="1600" dirty="0"/>
-              <a:t>"Iniziamo una connessione, fammi sapere se sei in linea e hai ricevuto questa richiesta"</a:t>
-            </a:r>
-          </a:p>
-          <a:p>
-            <a:pPr marL="800100" lvl="1" indent="-342900">
+              <a:t>perdite di pacchetti dovute a overflow ed errori</a:t>
+            </a:r>
+          </a:p>
+          <a:p>
+            <a:pPr marL="1257300" lvl="2" indent="-342900">
               <a:buFont typeface="+mj-lt"/>
               <a:buAutoNum type="arabicPeriod"/>
             </a:pPr>
             <a:r>
+              <a:rPr lang="it-IT" sz="1600" dirty="0" err="1"/>
+              <a:t>datagram</a:t>
+            </a:r>
+            <a:r>
               <a:rPr lang="it-IT" sz="1600" dirty="0"/>
-              <a:t>"Sì, io ho ricevuto la tua richiesta e sono pronto a stabilire il collegamento"</a:t>
-            </a:r>
-          </a:p>
-          <a:p>
-            <a:pPr marL="800100" lvl="1" indent="-342900">
-              <a:buFont typeface="+mj-lt"/>
-              <a:buAutoNum type="arabicPeriod"/>
-            </a:pPr>
+              <a:t> non in ordine</a:t>
+            </a:r>
+          </a:p>
+          <a:p>
+            <a:r>
+              <a:rPr lang="it-IT" sz="1800" dirty="0"/>
+              <a:t>Multicast e broadcast</a:t>
+            </a:r>
+          </a:p>
+          <a:p>
+            <a:pPr lvl="1"/>
             <a:r>
               <a:rPr lang="it-IT" sz="1600" dirty="0"/>
-              <a:t>"Va bene, ho ricevuto la tua conferma di ricezione; ecco i primi dati per te" (connessione stabilita)</a:t>
-            </a:r>
-          </a:p>
-          <a:p>
-            <a:r>
-              <a:rPr lang="it-IT" sz="1800" dirty="0"/>
-              <a:t>La sequenza iniziale con cui viene stabilita una connessione è detta </a:t>
-            </a:r>
-            <a:r>
-              <a:rPr lang="it-IT" sz="1800" dirty="0" err="1"/>
-              <a:t>three</a:t>
-            </a:r>
-            <a:r>
-              <a:rPr lang="it-IT" sz="1800" dirty="0"/>
-              <a:t>-way </a:t>
-            </a:r>
-            <a:r>
-              <a:rPr lang="it-IT" sz="1800" dirty="0" err="1"/>
-              <a:t>handshaking</a:t>
-            </a:r>
-            <a:endParaRPr lang="it-IT" sz="1800" dirty="0"/>
-          </a:p>
-          <a:p>
-            <a:r>
-              <a:rPr lang="it-IT" sz="1800" dirty="0"/>
-              <a:t>Il primo pacchetto dati ha numero di sequenza uguale all’ACK precedente</a:t>
+              <a:t>Supportati solo da UDP</a:t>
+            </a:r>
+          </a:p>
+          <a:p>
+            <a:pPr lvl="1"/>
+            <a:r>
+              <a:rPr lang="it-IT" sz="1600" dirty="0"/>
+              <a:t>Lo schema  di  controllo  degli  errori  di  TCP  non  si  presta  al  </a:t>
+            </a:r>
+            <a:r>
+              <a:rPr lang="it-IT" sz="1600" dirty="0" err="1"/>
+              <a:t>multicast</a:t>
+            </a:r>
+            <a:r>
+              <a:rPr lang="it-IT" sz="1600" dirty="0"/>
+              <a:t> affidabile.</a:t>
             </a:r>
           </a:p>
         </p:txBody>
@@ -4779,329 +5759,10 @@
           </a:prstGeom>
         </p:spPr>
       </p:pic>
-      <p:pic>
-        <p:nvPicPr>
-          <p:cNvPr id="6" name="Immagine 5" descr="Immagine che contiene testo, lavagnabianca&#10;&#10;Descrizione generata automaticamente">
-            <a:extLst>
-              <a:ext uri="{FF2B5EF4-FFF2-40B4-BE49-F238E27FC236}">
-                <a16:creationId xmlns:a16="http://schemas.microsoft.com/office/drawing/2014/main" id="{AFFDF265-8501-E91E-8F53-EE2A692005C0}"/>
-              </a:ext>
-            </a:extLst>
-          </p:cNvPr>
-          <p:cNvPicPr>
-            <a:picLocks noChangeAspect="1"/>
-          </p:cNvPicPr>
-          <p:nvPr/>
-        </p:nvPicPr>
-        <p:blipFill>
-          <a:blip r:embed="rId3">
-            <a:extLst>
-              <a:ext uri="{28A0092B-C50C-407E-A947-70E740481C1C}">
-                <a14:useLocalDpi xmlns:a14="http://schemas.microsoft.com/office/drawing/2010/main" val="0"/>
-              </a:ext>
-            </a:extLst>
-          </a:blip>
-          <a:stretch>
-            <a:fillRect/>
-          </a:stretch>
-        </p:blipFill>
-        <p:spPr>
-          <a:xfrm>
-            <a:off x="6299182" y="1825625"/>
-            <a:ext cx="3142695" cy="4148076"/>
-          </a:xfrm>
-          <a:prstGeom prst="rect">
-            <a:avLst/>
-          </a:prstGeom>
-        </p:spPr>
-      </p:pic>
     </p:spTree>
     <p:extLst>
       <p:ext uri="{BB962C8B-B14F-4D97-AF65-F5344CB8AC3E}">
-        <p14:creationId xmlns:p14="http://schemas.microsoft.com/office/powerpoint/2010/main" val="4225769858"/>
-      </p:ext>
-    </p:extLst>
-  </p:cSld>
-  <p:clrMapOvr>
-    <a:masterClrMapping/>
-  </p:clrMapOvr>
-  <mc:AlternateContent xmlns:mc="http://schemas.openxmlformats.org/markup-compatibility/2006" xmlns:p159="http://schemas.microsoft.com/office/powerpoint/2015/09/main">
-    <mc:Choice Requires="p159">
-      <p:transition xmlns:p14="http://schemas.microsoft.com/office/powerpoint/2010/main" spd="slow" p14:dur="2000">
-        <p159:morph option="byObject"/>
-      </p:transition>
-    </mc:Choice>
-    <mc:Fallback xmlns="">
-      <p:transition spd="slow">
-        <p:fade/>
-      </p:transition>
-    </mc:Fallback>
-  </mc:AlternateContent>
-</p:sld>
-</file>
-
-<file path=ppt/slides/slide7.xml><?xml version="1.0" encoding="utf-8"?>
-<p:sld xmlns:a="http://schemas.openxmlformats.org/drawingml/2006/main" xmlns:r="http://schemas.openxmlformats.org/officeDocument/2006/relationships" xmlns:p="http://schemas.openxmlformats.org/presentationml/2006/main">
-  <p:cSld>
-    <p:spTree>
-      <p:nvGrpSpPr>
-        <p:cNvPr id="1" name=""/>
-        <p:cNvGrpSpPr/>
-        <p:nvPr/>
-      </p:nvGrpSpPr>
-      <p:grpSpPr>
-        <a:xfrm>
-          <a:off x="0" y="0"/>
-          <a:ext cx="0" cy="0"/>
-          <a:chOff x="0" y="0"/>
-          <a:chExt cx="0" cy="0"/>
-        </a:xfrm>
-      </p:grpSpPr>
-      <p:sp>
-        <p:nvSpPr>
-          <p:cNvPr id="5" name="Rettangolo con angoli arrotondati 4">
-            <a:extLst>
-              <a:ext uri="{FF2B5EF4-FFF2-40B4-BE49-F238E27FC236}">
-                <a16:creationId xmlns:a16="http://schemas.microsoft.com/office/drawing/2014/main" id="{9B281B25-3E31-EC1A-BB8F-795A8CC896CB}"/>
-              </a:ext>
-            </a:extLst>
-          </p:cNvPr>
-          <p:cNvSpPr/>
-          <p:nvPr/>
-        </p:nvSpPr>
-        <p:spPr>
-          <a:xfrm>
-            <a:off x="1381897" y="521279"/>
-            <a:ext cx="9428206" cy="1013254"/>
-          </a:xfrm>
-          <a:prstGeom prst="roundRect">
-            <a:avLst/>
-          </a:prstGeom>
-        </p:spPr>
-        <p:style>
-          <a:lnRef idx="2">
-            <a:schemeClr val="dk1">
-              <a:shade val="50000"/>
-            </a:schemeClr>
-          </a:lnRef>
-          <a:fillRef idx="1">
-            <a:schemeClr val="dk1"/>
-          </a:fillRef>
-          <a:effectRef idx="0">
-            <a:schemeClr val="dk1"/>
-          </a:effectRef>
-          <a:fontRef idx="minor">
-            <a:schemeClr val="lt1"/>
-          </a:fontRef>
-        </p:style>
-        <p:txBody>
-          <a:bodyPr rtlCol="0" anchor="ctr"/>
-          <a:lstStyle/>
-          <a:p>
-            <a:pPr algn="ctr"/>
-            <a:endParaRPr lang="it-IT"/>
-          </a:p>
-        </p:txBody>
-      </p:sp>
-      <p:sp>
-        <p:nvSpPr>
-          <p:cNvPr id="2" name="Titolo 1">
-            <a:extLst>
-              <a:ext uri="{FF2B5EF4-FFF2-40B4-BE49-F238E27FC236}">
-                <a16:creationId xmlns:a16="http://schemas.microsoft.com/office/drawing/2014/main" id="{89482AAA-D49C-41CC-87C3-E210C152BED8}"/>
-              </a:ext>
-            </a:extLst>
-          </p:cNvPr>
-          <p:cNvSpPr>
-            <a:spLocks noGrp="1"/>
-          </p:cNvSpPr>
-          <p:nvPr>
-            <p:ph type="title"/>
-          </p:nvPr>
-        </p:nvSpPr>
-        <p:spPr/>
-        <p:txBody>
-          <a:bodyPr>
-            <a:normAutofit/>
-          </a:bodyPr>
-          <a:lstStyle/>
-          <a:p>
-            <a:pPr algn="ctr"/>
-            <a:r>
-              <a:rPr lang="it-IT" sz="4800" dirty="0">
-                <a:solidFill>
-                  <a:schemeClr val="bg1"/>
-                </a:solidFill>
-                <a:latin typeface="Print Clearly" panose="02000000000000000000" pitchFamily="50" charset="0"/>
-              </a:rPr>
-              <a:t>TCP – Three Way </a:t>
-            </a:r>
-            <a:r>
-              <a:rPr lang="it-IT" sz="4800" dirty="0" err="1">
-                <a:solidFill>
-                  <a:schemeClr val="bg1"/>
-                </a:solidFill>
-                <a:latin typeface="Print Clearly" panose="02000000000000000000" pitchFamily="50" charset="0"/>
-              </a:rPr>
-              <a:t>Handshake</a:t>
-            </a:r>
-            <a:endParaRPr lang="it-IT" sz="4800" dirty="0">
-              <a:solidFill>
-                <a:schemeClr val="bg1"/>
-              </a:solidFill>
-              <a:latin typeface="Print Clearly" panose="02000000000000000000" pitchFamily="50" charset="0"/>
-            </a:endParaRPr>
-          </a:p>
-        </p:txBody>
-      </p:sp>
-      <p:sp>
-        <p:nvSpPr>
-          <p:cNvPr id="28" name="Segnaposto contenuto 27">
-            <a:extLst>
-              <a:ext uri="{FF2B5EF4-FFF2-40B4-BE49-F238E27FC236}">
-                <a16:creationId xmlns:a16="http://schemas.microsoft.com/office/drawing/2014/main" id="{84105A06-87CB-83CE-05B0-FB5BAAF84C4A}"/>
-              </a:ext>
-            </a:extLst>
-          </p:cNvPr>
-          <p:cNvSpPr>
-            <a:spLocks noGrp="1"/>
-          </p:cNvSpPr>
-          <p:nvPr>
-            <p:ph idx="1"/>
-          </p:nvPr>
-        </p:nvSpPr>
-        <p:spPr/>
-        <p:txBody>
-          <a:bodyPr>
-            <a:normAutofit/>
-          </a:bodyPr>
-          <a:lstStyle/>
-          <a:p>
-            <a:r>
-              <a:rPr lang="it-IT" sz="1800" dirty="0"/>
-              <a:t>Resiste alla instaurazione contemporanea di due connessioni </a:t>
-            </a:r>
-          </a:p>
-          <a:p>
-            <a:r>
-              <a:rPr lang="it-IT" sz="1800" dirty="0"/>
-              <a:t>Ignora pacchetti di apertura ritardatari</a:t>
-            </a:r>
-          </a:p>
-        </p:txBody>
-      </p:sp>
-      <p:pic>
-        <p:nvPicPr>
-          <p:cNvPr id="4" name="Immagine 3">
-            <a:extLst>
-              <a:ext uri="{FF2B5EF4-FFF2-40B4-BE49-F238E27FC236}">
-                <a16:creationId xmlns:a16="http://schemas.microsoft.com/office/drawing/2014/main" id="{D77C5866-A614-48DA-8D6D-4A9AAB8F9B0D}"/>
-              </a:ext>
-            </a:extLst>
-          </p:cNvPr>
-          <p:cNvPicPr>
-            <a:picLocks noChangeAspect="1"/>
-          </p:cNvPicPr>
-          <p:nvPr/>
-        </p:nvPicPr>
-        <p:blipFill>
-          <a:blip r:embed="rId2">
-            <a:extLst>
-              <a:ext uri="{28A0092B-C50C-407E-A947-70E740481C1C}">
-                <a14:useLocalDpi xmlns:a14="http://schemas.microsoft.com/office/drawing/2010/main" val="0"/>
-              </a:ext>
-            </a:extLst>
-          </a:blip>
-          <a:stretch>
-            <a:fillRect/>
-          </a:stretch>
-        </p:blipFill>
-        <p:spPr>
-          <a:xfrm>
-            <a:off x="9441877" y="6129856"/>
-            <a:ext cx="2414146" cy="397754"/>
-          </a:xfrm>
-          <a:prstGeom prst="rect">
-            <a:avLst/>
-          </a:prstGeom>
-        </p:spPr>
-      </p:pic>
-      <p:pic>
-        <p:nvPicPr>
-          <p:cNvPr id="7" name="Immagine 6" descr="Immagine che contiene testo&#10;&#10;Descrizione generata automaticamente">
-            <a:extLst>
-              <a:ext uri="{FF2B5EF4-FFF2-40B4-BE49-F238E27FC236}">
-                <a16:creationId xmlns:a16="http://schemas.microsoft.com/office/drawing/2014/main" id="{17F531F7-812A-BA94-A955-89B1F0745109}"/>
-              </a:ext>
-            </a:extLst>
-          </p:cNvPr>
-          <p:cNvPicPr>
-            <a:picLocks noChangeAspect="1"/>
-          </p:cNvPicPr>
-          <p:nvPr/>
-        </p:nvPicPr>
-        <p:blipFill>
-          <a:blip r:embed="rId3">
-            <a:extLst>
-              <a:ext uri="{28A0092B-C50C-407E-A947-70E740481C1C}">
-                <a14:useLocalDpi xmlns:a14="http://schemas.microsoft.com/office/drawing/2010/main" val="0"/>
-              </a:ext>
-            </a:extLst>
-          </a:blip>
-          <a:stretch>
-            <a:fillRect/>
-          </a:stretch>
-        </p:blipFill>
-        <p:spPr>
-          <a:xfrm>
-            <a:off x="3350913" y="2609258"/>
-            <a:ext cx="2242864" cy="3456085"/>
-          </a:xfrm>
-          <a:prstGeom prst="rect">
-            <a:avLst/>
-          </a:prstGeom>
-        </p:spPr>
-      </p:pic>
-      <p:pic>
-        <p:nvPicPr>
-          <p:cNvPr id="9" name="Immagine 8" descr="Immagine che contiene testo&#10;&#10;Descrizione generata automaticamente">
-            <a:extLst>
-              <a:ext uri="{FF2B5EF4-FFF2-40B4-BE49-F238E27FC236}">
-                <a16:creationId xmlns:a16="http://schemas.microsoft.com/office/drawing/2014/main" id="{CBCE5FD0-A350-66EF-8727-E957344F79F1}"/>
-              </a:ext>
-            </a:extLst>
-          </p:cNvPr>
-          <p:cNvPicPr>
-            <a:picLocks noChangeAspect="1"/>
-          </p:cNvPicPr>
-          <p:nvPr/>
-        </p:nvPicPr>
-        <p:blipFill>
-          <a:blip r:embed="rId4">
-            <a:extLst>
-              <a:ext uri="{28A0092B-C50C-407E-A947-70E740481C1C}">
-                <a14:useLocalDpi xmlns:a14="http://schemas.microsoft.com/office/drawing/2010/main" val="0"/>
-              </a:ext>
-            </a:extLst>
-          </a:blip>
-          <a:stretch>
-            <a:fillRect/>
-          </a:stretch>
-        </p:blipFill>
-        <p:spPr>
-          <a:xfrm>
-            <a:off x="6096000" y="2473568"/>
-            <a:ext cx="2242863" cy="3727463"/>
-          </a:xfrm>
-          <a:prstGeom prst="rect">
-            <a:avLst/>
-          </a:prstGeom>
-        </p:spPr>
-      </p:pic>
-    </p:spTree>
-    <p:extLst>
-      <p:ext uri="{BB962C8B-B14F-4D97-AF65-F5344CB8AC3E}">
-        <p14:creationId xmlns:p14="http://schemas.microsoft.com/office/powerpoint/2010/main" val="962261756"/>
+        <p14:creationId xmlns:p14="http://schemas.microsoft.com/office/powerpoint/2010/main" val="2229757206"/>
       </p:ext>
     </p:extLst>
   </p:cSld>
